--- a/Blatt07/Uebung7.pptx
+++ b/Blatt07/Uebung7.pptx
@@ -5,30 +5,28 @@
     <p:sldMasterId id="2147483648" r:id="rId1"/>
   </p:sldMasterIdLst>
   <p:notesMasterIdLst>
-    <p:notesMasterId r:id="rId20"/>
+    <p:notesMasterId r:id="rId18"/>
   </p:notesMasterIdLst>
   <p:handoutMasterIdLst>
-    <p:handoutMasterId r:id="rId21"/>
+    <p:handoutMasterId r:id="rId19"/>
   </p:handoutMasterIdLst>
   <p:sldIdLst>
     <p:sldId id="256" r:id="rId2"/>
     <p:sldId id="258" r:id="rId3"/>
-    <p:sldId id="259" r:id="rId4"/>
-    <p:sldId id="257" r:id="rId5"/>
-    <p:sldId id="260" r:id="rId6"/>
-    <p:sldId id="261" r:id="rId7"/>
-    <p:sldId id="263" r:id="rId8"/>
-    <p:sldId id="262" r:id="rId9"/>
-    <p:sldId id="264" r:id="rId10"/>
-    <p:sldId id="265" r:id="rId11"/>
-    <p:sldId id="266" r:id="rId12"/>
-    <p:sldId id="267" r:id="rId13"/>
-    <p:sldId id="268" r:id="rId14"/>
-    <p:sldId id="269" r:id="rId15"/>
-    <p:sldId id="270" r:id="rId16"/>
-    <p:sldId id="271" r:id="rId17"/>
-    <p:sldId id="272" r:id="rId18"/>
-    <p:sldId id="273" r:id="rId19"/>
+    <p:sldId id="257" r:id="rId4"/>
+    <p:sldId id="260" r:id="rId5"/>
+    <p:sldId id="261" r:id="rId6"/>
+    <p:sldId id="263" r:id="rId7"/>
+    <p:sldId id="262" r:id="rId8"/>
+    <p:sldId id="264" r:id="rId9"/>
+    <p:sldId id="265" r:id="rId10"/>
+    <p:sldId id="266" r:id="rId11"/>
+    <p:sldId id="267" r:id="rId12"/>
+    <p:sldId id="268" r:id="rId13"/>
+    <p:sldId id="269" r:id="rId14"/>
+    <p:sldId id="270" r:id="rId15"/>
+    <p:sldId id="271" r:id="rId16"/>
+    <p:sldId id="272" r:id="rId17"/>
   </p:sldIdLst>
   <p:sldSz cx="9144000" cy="6858000" type="screen4x3"/>
   <p:notesSz cx="6858000" cy="9144000"/>
@@ -2834,456 +2832,6 @@
                 <a:pPr marL="0" indent="0">
                   <a:buNone/>
                 </a:pPr>
-                <a:r>
-                  <a:rPr lang="en-US" i="1" dirty="0"/>
-                  <a:t>“</a:t>
-                </a:r>
-                <a:r>
-                  <a:rPr lang="de-DE" i="1" dirty="0"/>
-                  <a:t>Nehmen Sie an, 3 Agenten (</a:t>
-                </a:r>
-                <a14:m>
-                  <m:oMath xmlns:m="http://schemas.openxmlformats.org/officeDocument/2006/math">
-                    <m:r>
-                      <a:rPr lang="de-DE" i="1" dirty="0" smtClean="0">
-                        <a:latin typeface="Cambria Math" panose="02040503050406030204" pitchFamily="18" charset="0"/>
-                      </a:rPr>
-                      <m:t>𝑁</m:t>
-                    </m:r>
-                    <m:r>
-                      <a:rPr lang="de-DE" i="1" dirty="0" smtClean="0">
-                        <a:latin typeface="Cambria Math" panose="02040503050406030204" pitchFamily="18" charset="0"/>
-                      </a:rPr>
-                      <m:t> = {1, </m:t>
-                    </m:r>
-                    <m:r>
-                      <a:rPr lang="de-DE" i="1" dirty="0" smtClean="0">
-                        <a:latin typeface="Cambria Math" panose="02040503050406030204" pitchFamily="18" charset="0"/>
-                      </a:rPr>
-                      <m:t>2, 3}) </m:t>
-                    </m:r>
-                  </m:oMath>
-                </a14:m>
-                <a:r>
-                  <a:rPr lang="de-DE" i="1" dirty="0"/>
-                  <a:t>können gemeinsam 100% Werbereichweite erreichen, je 2 schaffen 80% und einer alleine 0%. </a:t>
-                </a:r>
-              </a:p>
-              <a:p>
-                <a:pPr marL="0" indent="0">
-                  <a:buNone/>
-                </a:pPr>
-                <a:r>
-                  <a:rPr lang="de-DE" i="1" dirty="0"/>
-                  <a:t>Es sei ein bestimmter Betrag von </a:t>
-                </a:r>
-                <a14:m>
-                  <m:oMath xmlns:m="http://schemas.openxmlformats.org/officeDocument/2006/math">
-                    <m:r>
-                      <a:rPr lang="de-DE" i="1" dirty="0" smtClean="0">
-                        <a:latin typeface="Cambria Math" panose="02040503050406030204" pitchFamily="18" charset="0"/>
-                      </a:rPr>
-                      <m:t>𝑥</m:t>
-                    </m:r>
-                  </m:oMath>
-                </a14:m>
-                <a:r>
-                  <a:rPr lang="de-DE" i="1" dirty="0"/>
-                  <a:t> Euro bei 100% Reichweite erreichbar (der Wert der großen Koalition). </a:t>
-                </a:r>
-              </a:p>
-              <a:p>
-                <a:pPr marL="0" indent="0">
-                  <a:buNone/>
-                </a:pPr>
-                <a:r>
-                  <a:rPr lang="de-DE" i="1" dirty="0"/>
-                  <a:t>Auszuzahlen ist ein relativer Anteil von </a:t>
-                </a:r>
-                <a14:m>
-                  <m:oMath xmlns:m="http://schemas.openxmlformats.org/officeDocument/2006/math">
-                    <m:r>
-                      <a:rPr lang="de-DE" i="1" dirty="0" smtClean="0">
-                        <a:latin typeface="Cambria Math" panose="02040503050406030204" pitchFamily="18" charset="0"/>
-                      </a:rPr>
-                      <m:t>𝑥</m:t>
-                    </m:r>
-                  </m:oMath>
-                </a14:m>
-                <a:r>
-                  <a:rPr lang="de-DE" i="1" dirty="0"/>
-                  <a:t>, also Werte zwischen 0 und 1 für alle Agenten in </a:t>
-                </a:r>
-                <a14:m>
-                  <m:oMath xmlns:m="http://schemas.openxmlformats.org/officeDocument/2006/math">
-                    <m:r>
-                      <a:rPr lang="de-DE" i="1" dirty="0" smtClean="0">
-                        <a:latin typeface="Cambria Math" panose="02040503050406030204" pitchFamily="18" charset="0"/>
-                      </a:rPr>
-                      <m:t>𝑁</m:t>
-                    </m:r>
-                  </m:oMath>
-                </a14:m>
-                <a:r>
-                  <a:rPr lang="de-DE" i="1" dirty="0"/>
-                  <a:t>.</a:t>
-                </a:r>
-              </a:p>
-              <a:p>
-                <a:pPr marL="0" indent="0">
-                  <a:buNone/>
-                </a:pPr>
-                <a:r>
-                  <a:rPr lang="de-DE" b="1" i="1" dirty="0"/>
-                  <a:t>Formalisieren Sie diese Situation</a:t>
-                </a:r>
-                <a:r>
-                  <a:rPr lang="de-DE" i="1" dirty="0"/>
-                  <a:t> mittels der </a:t>
-                </a:r>
-                <a:r>
-                  <a:rPr lang="de-DE" b="1" i="1" dirty="0"/>
-                  <a:t>charakteristischen Funktion</a:t>
-                </a:r>
-                <a:r>
-                  <a:rPr lang="de-DE" i="1" dirty="0"/>
-                  <a:t> und geben sie </a:t>
-                </a:r>
-                <a:r>
-                  <a:rPr lang="de-DE" b="1" i="1" dirty="0"/>
-                  <a:t>eine Auszahlung</a:t>
-                </a:r>
-                <a:r>
-                  <a:rPr lang="de-DE" i="1" dirty="0"/>
-                  <a:t> (also einen Vektor </a:t>
-                </a:r>
-                <a14:m>
-                  <m:oMath xmlns:m="http://schemas.openxmlformats.org/officeDocument/2006/math">
-                    <m:r>
-                      <a:rPr lang="de-DE" i="1" dirty="0" smtClean="0">
-                        <a:latin typeface="Cambria Math" panose="02040503050406030204" pitchFamily="18" charset="0"/>
-                      </a:rPr>
-                      <m:t>𝑥</m:t>
-                    </m:r>
-                  </m:oMath>
-                </a14:m>
-                <a:r>
-                  <a:rPr lang="de-DE" i="1" dirty="0"/>
-                  <a:t> mit </a:t>
-                </a:r>
-                <a14:m>
-                  <m:oMath xmlns:m="http://schemas.openxmlformats.org/officeDocument/2006/math">
-                    <m:sSub>
-                      <m:sSubPr>
-                        <m:ctrlPr>
-                          <a:rPr lang="en-US" b="0" i="1" dirty="0" smtClean="0">
-                            <a:latin typeface="Cambria Math" panose="02040503050406030204" pitchFamily="18" charset="0"/>
-                          </a:rPr>
-                        </m:ctrlPr>
-                      </m:sSubPr>
-                      <m:e>
-                        <m:r>
-                          <a:rPr lang="de-DE" i="1" dirty="0" smtClean="0">
-                            <a:latin typeface="Cambria Math" panose="02040503050406030204" pitchFamily="18" charset="0"/>
-                          </a:rPr>
-                          <m:t>𝑥</m:t>
-                        </m:r>
-                      </m:e>
-                      <m:sub>
-                        <m:r>
-                          <a:rPr lang="de-DE" i="1" dirty="0" smtClean="0">
-                            <a:latin typeface="Cambria Math" panose="02040503050406030204" pitchFamily="18" charset="0"/>
-                          </a:rPr>
-                          <m:t>1</m:t>
-                        </m:r>
-                      </m:sub>
-                    </m:sSub>
-                    <m:r>
-                      <a:rPr lang="en-US" b="0" i="1" dirty="0" smtClean="0">
-                        <a:latin typeface="Cambria Math" panose="02040503050406030204" pitchFamily="18" charset="0"/>
-                      </a:rPr>
-                      <m:t>+</m:t>
-                    </m:r>
-                    <m:sSub>
-                      <m:sSubPr>
-                        <m:ctrlPr>
-                          <a:rPr lang="de-DE" i="1" dirty="0" smtClean="0">
-                            <a:latin typeface="Cambria Math" panose="02040503050406030204" pitchFamily="18" charset="0"/>
-                          </a:rPr>
-                        </m:ctrlPr>
-                      </m:sSubPr>
-                      <m:e>
-                        <m:r>
-                          <a:rPr lang="de-DE" i="1" dirty="0" smtClean="0">
-                            <a:latin typeface="Cambria Math" panose="02040503050406030204" pitchFamily="18" charset="0"/>
-                          </a:rPr>
-                          <m:t>𝑥</m:t>
-                        </m:r>
-                      </m:e>
-                      <m:sub>
-                        <m:r>
-                          <a:rPr lang="de-DE" i="1" dirty="0" smtClean="0">
-                            <a:latin typeface="Cambria Math" panose="02040503050406030204" pitchFamily="18" charset="0"/>
-                          </a:rPr>
-                          <m:t>2</m:t>
-                        </m:r>
-                      </m:sub>
-                    </m:sSub>
-                    <m:r>
-                      <a:rPr lang="de-DE" i="1" dirty="0">
-                        <a:latin typeface="Cambria Math" panose="02040503050406030204" pitchFamily="18" charset="0"/>
-                      </a:rPr>
-                      <m:t>+</m:t>
-                    </m:r>
-                    <m:sSub>
-                      <m:sSubPr>
-                        <m:ctrlPr>
-                          <a:rPr lang="de-DE" i="1" dirty="0" smtClean="0">
-                            <a:latin typeface="Cambria Math" panose="02040503050406030204" pitchFamily="18" charset="0"/>
-                          </a:rPr>
-                        </m:ctrlPr>
-                      </m:sSubPr>
-                      <m:e>
-                        <m:r>
-                          <a:rPr lang="de-DE" i="1" dirty="0" smtClean="0">
-                            <a:latin typeface="Cambria Math" panose="02040503050406030204" pitchFamily="18" charset="0"/>
-                          </a:rPr>
-                          <m:t>𝑥</m:t>
-                        </m:r>
-                      </m:e>
-                      <m:sub>
-                        <m:r>
-                          <a:rPr lang="de-DE" i="1" dirty="0" smtClean="0">
-                            <a:latin typeface="Cambria Math" panose="02040503050406030204" pitchFamily="18" charset="0"/>
-                          </a:rPr>
-                          <m:t>3</m:t>
-                        </m:r>
-                      </m:sub>
-                    </m:sSub>
-                    <m:r>
-                      <a:rPr lang="de-DE" i="1" dirty="0" smtClean="0">
-                        <a:latin typeface="Cambria Math" panose="02040503050406030204" pitchFamily="18" charset="0"/>
-                      </a:rPr>
-                      <m:t> </m:t>
-                    </m:r>
-                    <m:r>
-                      <a:rPr lang="de-DE" i="1" dirty="0">
-                        <a:latin typeface="Cambria Math" panose="02040503050406030204" pitchFamily="18" charset="0"/>
-                      </a:rPr>
-                      <m:t>= </m:t>
-                    </m:r>
-                    <m:r>
-                      <a:rPr lang="de-DE" i="1" dirty="0" smtClean="0">
-                        <a:latin typeface="Cambria Math" panose="02040503050406030204" pitchFamily="18" charset="0"/>
-                      </a:rPr>
-                      <m:t>1</m:t>
-                    </m:r>
-                  </m:oMath>
-                </a14:m>
-                <a:r>
-                  <a:rPr lang="de-DE" i="1" dirty="0"/>
-                  <a:t>) </a:t>
-                </a:r>
-                <a:r>
-                  <a:rPr lang="de-DE" b="1" i="1" dirty="0"/>
-                  <a:t>im Kern </a:t>
-                </a:r>
-                <a:r>
-                  <a:rPr lang="de-DE" i="1" dirty="0"/>
-                  <a:t>an.“</a:t>
-                </a:r>
-                <a:endParaRPr lang="de-DE" i="1" dirty="0"/>
-              </a:p>
-            </p:txBody>
-          </p:sp>
-        </mc:Choice>
-        <mc:Fallback>
-          <p:sp>
-            <p:nvSpPr>
-              <p:cNvPr id="2" name="Inhaltsplatzhalter 1"/>
-              <p:cNvSpPr>
-                <a:spLocks noGrp="1" noRot="1" noChangeAspect="1" noMove="1" noResize="1" noEditPoints="1" noAdjustHandles="1" noChangeArrowheads="1" noChangeShapeType="1" noTextEdit="1"/>
-              </p:cNvSpPr>
-              <p:nvPr>
-                <p:ph idx="1"/>
-              </p:nvPr>
-            </p:nvSpPr>
-            <p:spPr>
-              <a:blipFill>
-                <a:blip r:embed="rId2"/>
-                <a:stretch>
-                  <a:fillRect l="-817" t="-521" r="-594"/>
-                </a:stretch>
-              </a:blipFill>
-            </p:spPr>
-            <p:txBody>
-              <a:bodyPr/>
-              <a:lstStyle/>
-              <a:p>
-                <a:r>
-                  <a:rPr lang="de-DE">
-                    <a:noFill/>
-                  </a:rPr>
-                  <a:t> </a:t>
-                </a:r>
-              </a:p>
-            </p:txBody>
-          </p:sp>
-        </mc:Fallback>
-      </mc:AlternateContent>
-      <p:sp>
-        <p:nvSpPr>
-          <p:cNvPr id="3" name="Titel 2"/>
-          <p:cNvSpPr>
-            <a:spLocks noGrp="1"/>
-          </p:cNvSpPr>
-          <p:nvPr>
-            <p:ph type="title"/>
-          </p:nvPr>
-        </p:nvSpPr>
-        <p:spPr/>
-        <p:txBody>
-          <a:bodyPr/>
-          <a:lstStyle/>
-          <a:p>
-            <a:r>
-              <a:rPr lang="en-US" dirty="0"/>
-              <a:t>Aufgabe 2 c)</a:t>
-            </a:r>
-            <a:endParaRPr lang="de-DE" dirty="0"/>
-          </a:p>
-        </p:txBody>
-      </p:sp>
-      <p:sp>
-        <p:nvSpPr>
-          <p:cNvPr id="4" name="Datumsplatzhalter 3"/>
-          <p:cNvSpPr>
-            <a:spLocks noGrp="1"/>
-          </p:cNvSpPr>
-          <p:nvPr>
-            <p:ph type="dt" sz="half" idx="10"/>
-          </p:nvPr>
-        </p:nvSpPr>
-        <p:spPr/>
-        <p:txBody>
-          <a:bodyPr/>
-          <a:lstStyle/>
-          <a:p>
-            <a:pPr>
-              <a:defRPr/>
-            </a:pPr>
-            <a:fld id="{972A6A5B-77CB-4D42-9DB4-CC6D207310B8}" type="datetime1">
-              <a:rPr lang="de-DE" smtClean="0"/>
-              <a:pPr>
-                <a:defRPr/>
-              </a:pPr>
-              <a:t>08.12.2016</a:t>
-            </a:fld>
-            <a:endParaRPr lang="en-GB" dirty="0"/>
-          </a:p>
-        </p:txBody>
-      </p:sp>
-      <p:sp>
-        <p:nvSpPr>
-          <p:cNvPr id="5" name="Fußzeilenplatzhalter 4"/>
-          <p:cNvSpPr>
-            <a:spLocks noGrp="1"/>
-          </p:cNvSpPr>
-          <p:nvPr>
-            <p:ph type="ftr" sz="quarter" idx="11"/>
-          </p:nvPr>
-        </p:nvSpPr>
-        <p:spPr/>
-        <p:txBody>
-          <a:bodyPr/>
-          <a:lstStyle/>
-          <a:p>
-            <a:pPr>
-              <a:defRPr/>
-            </a:pPr>
-            <a:endParaRPr lang="en-GB" dirty="0"/>
-          </a:p>
-        </p:txBody>
-      </p:sp>
-      <p:sp>
-        <p:nvSpPr>
-          <p:cNvPr id="6" name="Foliennummernplatzhalter 5"/>
-          <p:cNvSpPr>
-            <a:spLocks noGrp="1"/>
-          </p:cNvSpPr>
-          <p:nvPr>
-            <p:ph type="sldNum" sz="quarter" idx="12"/>
-          </p:nvPr>
-        </p:nvSpPr>
-        <p:spPr/>
-        <p:txBody>
-          <a:bodyPr/>
-          <a:lstStyle/>
-          <a:p>
-            <a:pPr>
-              <a:defRPr/>
-            </a:pPr>
-            <a:fld id="{E85D1952-A6FC-4ACE-AEE4-EFAF5C32DAC6}" type="slidenum">
-              <a:rPr lang="en-GB" smtClean="0"/>
-              <a:pPr>
-                <a:defRPr/>
-              </a:pPr>
-              <a:t>10</a:t>
-            </a:fld>
-            <a:endParaRPr lang="en-GB" dirty="0"/>
-          </a:p>
-        </p:txBody>
-      </p:sp>
-    </p:spTree>
-    <p:extLst>
-      <p:ext uri="{BB962C8B-B14F-4D97-AF65-F5344CB8AC3E}">
-        <p14:creationId xmlns:p14="http://schemas.microsoft.com/office/powerpoint/2010/main" val="3019987875"/>
-      </p:ext>
-    </p:extLst>
-  </p:cSld>
-  <p:clrMapOvr>
-    <a:masterClrMapping/>
-  </p:clrMapOvr>
-</p:sld>
-</file>
-
-<file path=ppt/slides/slide11.xml><?xml version="1.0" encoding="utf-8"?>
-<p:sld xmlns:a="http://schemas.openxmlformats.org/drawingml/2006/main" xmlns:r="http://schemas.openxmlformats.org/officeDocument/2006/relationships" xmlns:p="http://schemas.openxmlformats.org/presentationml/2006/main">
-  <p:cSld>
-    <p:spTree>
-      <p:nvGrpSpPr>
-        <p:cNvPr id="1" name=""/>
-        <p:cNvGrpSpPr/>
-        <p:nvPr/>
-      </p:nvGrpSpPr>
-      <p:grpSpPr>
-        <a:xfrm>
-          <a:off x="0" y="0"/>
-          <a:ext cx="0" cy="0"/>
-          <a:chOff x="0" y="0"/>
-          <a:chExt cx="0" cy="0"/>
-        </a:xfrm>
-      </p:grpSpPr>
-      <mc:AlternateContent xmlns:mc="http://schemas.openxmlformats.org/markup-compatibility/2006">
-        <mc:Choice xmlns:a14="http://schemas.microsoft.com/office/drawing/2010/main" Requires="a14">
-          <p:sp>
-            <p:nvSpPr>
-              <p:cNvPr id="2" name="Inhaltsplatzhalter 1"/>
-              <p:cNvSpPr>
-                <a:spLocks noGrp="1"/>
-              </p:cNvSpPr>
-              <p:nvPr>
-                <p:ph idx="1"/>
-              </p:nvPr>
-            </p:nvSpPr>
-            <p:spPr/>
-            <p:txBody>
-              <a:bodyPr/>
-              <a:lstStyle/>
-              <a:p>
-                <a:pPr marL="0" indent="0">
-                  <a:buNone/>
-                </a:pPr>
                 <a14:m>
                   <m:oMathPara xmlns:m="http://schemas.openxmlformats.org/officeDocument/2006/math">
                     <m:oMathParaPr>
@@ -3861,7 +3409,7 @@
               <a:pPr>
                 <a:defRPr/>
               </a:pPr>
-              <a:t>11</a:t>
+              <a:t>10</a:t>
             </a:fld>
             <a:endParaRPr lang="en-GB" dirty="0"/>
           </a:p>
@@ -3880,7 +3428,7 @@
 </p:sld>
 </file>
 
-<file path=ppt/slides/slide12.xml><?xml version="1.0" encoding="utf-8"?>
+<file path=ppt/slides/slide11.xml><?xml version="1.0" encoding="utf-8"?>
 <p:sld xmlns:a="http://schemas.openxmlformats.org/drawingml/2006/main" xmlns:r="http://schemas.openxmlformats.org/officeDocument/2006/relationships" xmlns:p="http://schemas.openxmlformats.org/presentationml/2006/main">
   <p:cSld>
     <p:spTree>
@@ -4982,7 +4530,7 @@
               <a:pPr>
                 <a:defRPr/>
               </a:pPr>
-              <a:t>12</a:t>
+              <a:t>11</a:t>
             </a:fld>
             <a:endParaRPr lang="en-GB" dirty="0"/>
           </a:p>
@@ -5001,7 +4549,7 @@
 </p:sld>
 </file>
 
-<file path=ppt/slides/slide13.xml><?xml version="1.0" encoding="utf-8"?>
+<file path=ppt/slides/slide12.xml><?xml version="1.0" encoding="utf-8"?>
 <p:sld xmlns:a="http://schemas.openxmlformats.org/drawingml/2006/main" xmlns:r="http://schemas.openxmlformats.org/officeDocument/2006/relationships" xmlns:p="http://schemas.openxmlformats.org/presentationml/2006/main">
   <p:cSld>
     <p:spTree>
@@ -6036,7 +5584,7 @@
               <a:pPr>
                 <a:defRPr/>
               </a:pPr>
-              <a:t>13</a:t>
+              <a:t>12</a:t>
             </a:fld>
             <a:endParaRPr lang="en-GB" dirty="0"/>
           </a:p>
@@ -6055,7 +5603,7 @@
 </p:sld>
 </file>
 
-<file path=ppt/slides/slide14.xml><?xml version="1.0" encoding="utf-8"?>
+<file path=ppt/slides/slide13.xml><?xml version="1.0" encoding="utf-8"?>
 <p:sld xmlns:a="http://schemas.openxmlformats.org/drawingml/2006/main" xmlns:r="http://schemas.openxmlformats.org/officeDocument/2006/relationships" xmlns:p="http://schemas.openxmlformats.org/presentationml/2006/main">
   <p:cSld>
     <p:spTree>
@@ -6879,7 +6427,7 @@
               <a:pPr>
                 <a:defRPr/>
               </a:pPr>
-              <a:t>14</a:t>
+              <a:t>13</a:t>
             </a:fld>
             <a:endParaRPr lang="en-GB" dirty="0"/>
           </a:p>
@@ -6973,7 +6521,7 @@
 </p:sld>
 </file>
 
-<file path=ppt/slides/slide15.xml><?xml version="1.0" encoding="utf-8"?>
+<file path=ppt/slides/slide14.xml><?xml version="1.0" encoding="utf-8"?>
 <p:sld xmlns:a="http://schemas.openxmlformats.org/drawingml/2006/main" xmlns:r="http://schemas.openxmlformats.org/officeDocument/2006/relationships" xmlns:p="http://schemas.openxmlformats.org/presentationml/2006/main">
   <p:cSld>
     <p:spTree>
@@ -7791,7 +7339,7 @@
               <a:pPr>
                 <a:defRPr/>
               </a:pPr>
-              <a:t>15</a:t>
+              <a:t>14</a:t>
             </a:fld>
             <a:endParaRPr lang="en-GB" dirty="0"/>
           </a:p>
@@ -7810,7 +7358,7 @@
 </p:sld>
 </file>
 
-<file path=ppt/slides/slide16.xml><?xml version="1.0" encoding="utf-8"?>
+<file path=ppt/slides/slide15.xml><?xml version="1.0" encoding="utf-8"?>
 <p:sld xmlns:a="http://schemas.openxmlformats.org/drawingml/2006/main" xmlns:r="http://schemas.openxmlformats.org/officeDocument/2006/relationships" xmlns:p="http://schemas.openxmlformats.org/presentationml/2006/main">
   <p:cSld>
     <p:spTree>
@@ -8191,7 +7739,7 @@
               <a:pPr>
                 <a:defRPr/>
               </a:pPr>
-              <a:t>16</a:t>
+              <a:t>15</a:t>
             </a:fld>
             <a:endParaRPr lang="en-GB" dirty="0"/>
           </a:p>
@@ -8426,7 +7974,7 @@
 </p:sld>
 </file>
 
-<file path=ppt/slides/slide17.xml><?xml version="1.0" encoding="utf-8"?>
+<file path=ppt/slides/slide16.xml><?xml version="1.0" encoding="utf-8"?>
 <p:sld xmlns:a="http://schemas.openxmlformats.org/drawingml/2006/main" xmlns:r="http://schemas.openxmlformats.org/officeDocument/2006/relationships" xmlns:p="http://schemas.openxmlformats.org/presentationml/2006/main">
   <p:cSld>
     <p:spTree>
@@ -9208,7 +8756,7 @@
               <a:pPr>
                 <a:defRPr/>
               </a:pPr>
-              <a:t>17</a:t>
+              <a:t>16</a:t>
             </a:fld>
             <a:endParaRPr lang="en-GB" dirty="0"/>
           </a:p>
@@ -10404,1093 +9952,6 @@
 </p:sld>
 </file>
 
-<file path=ppt/slides/slide18.xml><?xml version="1.0" encoding="utf-8"?>
-<p:sld xmlns:a="http://schemas.openxmlformats.org/drawingml/2006/main" xmlns:r="http://schemas.openxmlformats.org/officeDocument/2006/relationships" xmlns:p="http://schemas.openxmlformats.org/presentationml/2006/main">
-  <p:cSld>
-    <p:spTree>
-      <p:nvGrpSpPr>
-        <p:cNvPr id="1" name=""/>
-        <p:cNvGrpSpPr/>
-        <p:nvPr/>
-      </p:nvGrpSpPr>
-      <p:grpSpPr>
-        <a:xfrm>
-          <a:off x="0" y="0"/>
-          <a:ext cx="0" cy="0"/>
-          <a:chOff x="0" y="0"/>
-          <a:chExt cx="0" cy="0"/>
-        </a:xfrm>
-      </p:grpSpPr>
-      <mc:AlternateContent xmlns:mc="http://schemas.openxmlformats.org/markup-compatibility/2006">
-        <mc:Choice xmlns:a14="http://schemas.microsoft.com/office/drawing/2010/main" Requires="a14">
-          <p:sp>
-            <p:nvSpPr>
-              <p:cNvPr id="2" name="Inhaltsplatzhalter 1"/>
-              <p:cNvSpPr>
-                <a:spLocks noGrp="1"/>
-              </p:cNvSpPr>
-              <p:nvPr>
-                <p:ph idx="1"/>
-              </p:nvPr>
-            </p:nvSpPr>
-            <p:spPr/>
-            <p:txBody>
-              <a:bodyPr/>
-              <a:lstStyle/>
-              <a:p>
-                <a:pPr marL="0" indent="0">
-                  <a:buNone/>
-                </a:pPr>
-                <a14:m>
-                  <m:oMathPara xmlns:m="http://schemas.openxmlformats.org/officeDocument/2006/math">
-                    <m:oMathParaPr>
-                      <m:jc m:val="centerGroup"/>
-                    </m:oMathParaPr>
-                    <m:oMath xmlns:m="http://schemas.openxmlformats.org/officeDocument/2006/math">
-                      <m:r>
-                        <a:rPr lang="en-US" b="0" i="1" smtClean="0">
-                          <a:latin typeface="Cambria Math" panose="02040503050406030204" pitchFamily="18" charset="0"/>
-                        </a:rPr>
-                        <m:t>𝜙</m:t>
-                      </m:r>
-                      <m:d>
-                        <m:dPr>
-                          <m:ctrlPr>
-                            <a:rPr lang="en-US" b="0" i="1" smtClean="0">
-                              <a:latin typeface="Cambria Math" panose="02040503050406030204" pitchFamily="18" charset="0"/>
-                            </a:rPr>
-                          </m:ctrlPr>
-                        </m:dPr>
-                        <m:e>
-                          <m:r>
-                            <a:rPr lang="en-US" b="0" i="1" smtClean="0">
-                              <a:latin typeface="Cambria Math" panose="02040503050406030204" pitchFamily="18" charset="0"/>
-                            </a:rPr>
-                            <m:t>𝑉</m:t>
-                          </m:r>
-                        </m:e>
-                      </m:d>
-                      <m:r>
-                        <a:rPr lang="en-US" b="0" i="1" smtClean="0">
-                          <a:latin typeface="Cambria Math" panose="02040503050406030204" pitchFamily="18" charset="0"/>
-                        </a:rPr>
-                        <m:t>=</m:t>
-                      </m:r>
-                      <m:d>
-                        <m:dPr>
-                          <m:ctrlPr>
-                            <a:rPr lang="en-US" b="0" i="1" smtClean="0">
-                              <a:latin typeface="Cambria Math" panose="02040503050406030204" pitchFamily="18" charset="0"/>
-                            </a:rPr>
-                          </m:ctrlPr>
-                        </m:dPr>
-                        <m:e>
-                          <m:f>
-                            <m:fPr>
-                              <m:ctrlPr>
-                                <a:rPr lang="en-US" i="1">
-                                  <a:latin typeface="Cambria Math" panose="02040503050406030204" pitchFamily="18" charset="0"/>
-                                </a:rPr>
-                              </m:ctrlPr>
-                            </m:fPr>
-                            <m:num>
-                              <m:r>
-                                <a:rPr lang="en-US" i="1">
-                                  <a:latin typeface="Cambria Math" panose="02040503050406030204" pitchFamily="18" charset="0"/>
-                                </a:rPr>
-                                <m:t>14</m:t>
-                              </m:r>
-                            </m:num>
-                            <m:den>
-                              <m:r>
-                                <a:rPr lang="en-US" i="1">
-                                  <a:latin typeface="Cambria Math" panose="02040503050406030204" pitchFamily="18" charset="0"/>
-                                </a:rPr>
-                                <m:t>6</m:t>
-                              </m:r>
-                            </m:den>
-                          </m:f>
-                          <m:r>
-                            <a:rPr lang="en-US" i="1">
-                              <a:latin typeface="Cambria Math" panose="02040503050406030204" pitchFamily="18" charset="0"/>
-                            </a:rPr>
-                            <m:t>,</m:t>
-                          </m:r>
-                          <m:f>
-                            <m:fPr>
-                              <m:ctrlPr>
-                                <a:rPr lang="en-US" i="1">
-                                  <a:latin typeface="Cambria Math" panose="02040503050406030204" pitchFamily="18" charset="0"/>
-                                </a:rPr>
-                              </m:ctrlPr>
-                            </m:fPr>
-                            <m:num>
-                              <m:r>
-                                <a:rPr lang="en-US" i="1">
-                                  <a:latin typeface="Cambria Math" panose="02040503050406030204" pitchFamily="18" charset="0"/>
-                                </a:rPr>
-                                <m:t>5</m:t>
-                              </m:r>
-                            </m:num>
-                            <m:den>
-                              <m:r>
-                                <a:rPr lang="en-US" i="1">
-                                  <a:latin typeface="Cambria Math" panose="02040503050406030204" pitchFamily="18" charset="0"/>
-                                </a:rPr>
-                                <m:t>6</m:t>
-                              </m:r>
-                            </m:den>
-                          </m:f>
-                          <m:r>
-                            <a:rPr lang="en-US" i="1">
-                              <a:latin typeface="Cambria Math" panose="02040503050406030204" pitchFamily="18" charset="0"/>
-                            </a:rPr>
-                            <m:t>,</m:t>
-                          </m:r>
-                          <m:f>
-                            <m:fPr>
-                              <m:ctrlPr>
-                                <a:rPr lang="en-US" i="1">
-                                  <a:latin typeface="Cambria Math" panose="02040503050406030204" pitchFamily="18" charset="0"/>
-                                </a:rPr>
-                              </m:ctrlPr>
-                            </m:fPr>
-                            <m:num>
-                              <m:r>
-                                <a:rPr lang="en-US" i="1">
-                                  <a:latin typeface="Cambria Math" panose="02040503050406030204" pitchFamily="18" charset="0"/>
-                                </a:rPr>
-                                <m:t>5</m:t>
-                              </m:r>
-                            </m:num>
-                            <m:den>
-                              <m:r>
-                                <a:rPr lang="en-US" i="1">
-                                  <a:latin typeface="Cambria Math" panose="02040503050406030204" pitchFamily="18" charset="0"/>
-                                </a:rPr>
-                                <m:t>6</m:t>
-                              </m:r>
-                            </m:den>
-                          </m:f>
-                        </m:e>
-                      </m:d>
-                    </m:oMath>
-                  </m:oMathPara>
-                </a14:m>
-                <a:endParaRPr lang="de-DE" dirty="0"/>
-              </a:p>
-              <a:p>
-                <a:pPr marL="0" indent="0">
-                  <a:buNone/>
-                </a:pPr>
-                <a:endParaRPr lang="en-US" dirty="0"/>
-              </a:p>
-              <a:p>
-                <a:pPr marL="0" indent="0">
-                  <a:buNone/>
-                </a:pPr>
-                <a14:m>
-                  <m:oMath xmlns:m="http://schemas.openxmlformats.org/officeDocument/2006/math">
-                    <m:r>
-                      <a:rPr lang="en-US" i="1" dirty="0" smtClean="0">
-                        <a:latin typeface="Cambria Math" panose="02040503050406030204" pitchFamily="18" charset="0"/>
-                      </a:rPr>
-                      <m:t>𝑆</m:t>
-                    </m:r>
-                    <m:r>
-                      <a:rPr lang="en-US" i="1" dirty="0" smtClean="0">
-                        <a:latin typeface="Cambria Math" panose="02040503050406030204" pitchFamily="18" charset="0"/>
-                      </a:rPr>
-                      <m:t>={</m:t>
-                    </m:r>
-                    <m:sSub>
-                      <m:sSubPr>
-                        <m:ctrlPr>
-                          <a:rPr lang="en-US" i="1" dirty="0" err="1" smtClean="0">
-                            <a:latin typeface="Cambria Math" panose="02040503050406030204" pitchFamily="18" charset="0"/>
-                          </a:rPr>
-                        </m:ctrlPr>
-                      </m:sSubPr>
-                      <m:e>
-                        <m:r>
-                          <a:rPr lang="en-US" i="1" dirty="0" err="1" smtClean="0">
-                            <a:latin typeface="Cambria Math" panose="02040503050406030204" pitchFamily="18" charset="0"/>
-                          </a:rPr>
-                          <m:t>𝑤</m:t>
-                        </m:r>
-                      </m:e>
-                      <m:sub>
-                        <m:r>
-                          <a:rPr lang="en-US" i="1" dirty="0" err="1" smtClean="0">
-                            <a:latin typeface="Cambria Math" panose="02040503050406030204" pitchFamily="18" charset="0"/>
-                          </a:rPr>
-                          <m:t>𝑗</m:t>
-                        </m:r>
-                      </m:sub>
-                    </m:sSub>
-                    <m:r>
-                      <a:rPr lang="en-US" i="1" dirty="0" smtClean="0">
-                        <a:latin typeface="Cambria Math" panose="02040503050406030204" pitchFamily="18" charset="0"/>
-                      </a:rPr>
-                      <m:t>, </m:t>
-                    </m:r>
-                    <m:r>
-                      <a:rPr lang="en-US" i="1" dirty="0" smtClean="0">
-                        <a:latin typeface="Cambria Math" panose="02040503050406030204" pitchFamily="18" charset="0"/>
-                      </a:rPr>
-                      <m:t>𝑐</m:t>
-                    </m:r>
-                    <m:r>
-                      <a:rPr lang="en-US" i="1" dirty="0" smtClean="0">
-                        <a:latin typeface="Cambria Math" panose="02040503050406030204" pitchFamily="18" charset="0"/>
-                      </a:rPr>
-                      <m:t>}</m:t>
-                    </m:r>
-                  </m:oMath>
-                </a14:m>
-                <a:r>
-                  <a:rPr lang="en-US" dirty="0"/>
-                  <a:t>:</a:t>
-                </a:r>
-              </a:p>
-              <a:p>
-                <a:pPr marL="0" indent="0">
-                  <a:buNone/>
-                </a:pPr>
-                <a14:m>
-                  <m:oMathPara xmlns:m="http://schemas.openxmlformats.org/officeDocument/2006/math">
-                    <m:oMathParaPr>
-                      <m:jc m:val="centerGroup"/>
-                    </m:oMathParaPr>
-                    <m:oMath xmlns:m="http://schemas.openxmlformats.org/officeDocument/2006/math">
-                      <m:nary>
-                        <m:naryPr>
-                          <m:chr m:val="∑"/>
-                          <m:supHide m:val="on"/>
-                          <m:ctrlPr>
-                            <a:rPr lang="en-US" i="1">
-                              <a:latin typeface="Cambria Math" panose="02040503050406030204" pitchFamily="18" charset="0"/>
-                            </a:rPr>
-                          </m:ctrlPr>
-                        </m:naryPr>
-                        <m:sub>
-                          <m:r>
-                            <a:rPr lang="en-US" i="1">
-                              <a:latin typeface="Cambria Math" panose="02040503050406030204" pitchFamily="18" charset="0"/>
-                            </a:rPr>
-                            <m:t>𝑗</m:t>
-                          </m:r>
-                          <m:r>
-                            <a:rPr lang="en-US" i="1">
-                              <a:latin typeface="Cambria Math" panose="02040503050406030204" pitchFamily="18" charset="0"/>
-                            </a:rPr>
-                            <m:t>∈</m:t>
-                          </m:r>
-                          <m:r>
-                            <a:rPr lang="en-US" i="1">
-                              <a:latin typeface="Cambria Math" panose="02040503050406030204" pitchFamily="18" charset="0"/>
-                            </a:rPr>
-                            <m:t>𝑆</m:t>
-                          </m:r>
-                        </m:sub>
-                        <m:sup/>
-                        <m:e>
-                          <m:sSub>
-                            <m:sSubPr>
-                              <m:ctrlPr>
-                                <a:rPr lang="en-US" i="1">
-                                  <a:latin typeface="Cambria Math" panose="02040503050406030204" pitchFamily="18" charset="0"/>
-                                </a:rPr>
-                              </m:ctrlPr>
-                            </m:sSubPr>
-                            <m:e>
-                              <m:r>
-                                <a:rPr lang="en-US" i="1">
-                                  <a:latin typeface="Cambria Math" panose="02040503050406030204" pitchFamily="18" charset="0"/>
-                                </a:rPr>
-                                <m:t>𝑥</m:t>
-                              </m:r>
-                            </m:e>
-                            <m:sub>
-                              <m:r>
-                                <a:rPr lang="en-US" i="1">
-                                  <a:latin typeface="Cambria Math" panose="02040503050406030204" pitchFamily="18" charset="0"/>
-                                </a:rPr>
-                                <m:t>𝑗</m:t>
-                              </m:r>
-                            </m:sub>
-                          </m:sSub>
-                        </m:e>
-                      </m:nary>
-                      <m:r>
-                        <a:rPr lang="en-US" i="1">
-                          <a:latin typeface="Cambria Math" panose="02040503050406030204" pitchFamily="18" charset="0"/>
-                        </a:rPr>
-                        <m:t>=</m:t>
-                      </m:r>
-                      <m:f>
-                        <m:fPr>
-                          <m:ctrlPr>
-                            <a:rPr lang="en-US" b="0" i="1" smtClean="0">
-                              <a:latin typeface="Cambria Math" panose="02040503050406030204" pitchFamily="18" charset="0"/>
-                            </a:rPr>
-                          </m:ctrlPr>
-                        </m:fPr>
-                        <m:num>
-                          <m:r>
-                            <a:rPr lang="en-US" b="0" i="1" smtClean="0">
-                              <a:latin typeface="Cambria Math" panose="02040503050406030204" pitchFamily="18" charset="0"/>
-                            </a:rPr>
-                            <m:t>14</m:t>
-                          </m:r>
-                        </m:num>
-                        <m:den>
-                          <m:r>
-                            <a:rPr lang="en-US" b="0" i="1" smtClean="0">
-                              <a:latin typeface="Cambria Math" panose="02040503050406030204" pitchFamily="18" charset="0"/>
-                            </a:rPr>
-                            <m:t>6</m:t>
-                          </m:r>
-                        </m:den>
-                      </m:f>
-                      <m:r>
-                        <a:rPr lang="en-US" b="0" i="1" smtClean="0">
-                          <a:latin typeface="Cambria Math" panose="02040503050406030204" pitchFamily="18" charset="0"/>
-                        </a:rPr>
-                        <m:t>+</m:t>
-                      </m:r>
-                      <m:f>
-                        <m:fPr>
-                          <m:ctrlPr>
-                            <a:rPr lang="en-US" b="0" i="1" smtClean="0">
-                              <a:latin typeface="Cambria Math" panose="02040503050406030204" pitchFamily="18" charset="0"/>
-                            </a:rPr>
-                          </m:ctrlPr>
-                        </m:fPr>
-                        <m:num>
-                          <m:r>
-                            <a:rPr lang="en-US" b="0" i="1" smtClean="0">
-                              <a:latin typeface="Cambria Math" panose="02040503050406030204" pitchFamily="18" charset="0"/>
-                            </a:rPr>
-                            <m:t>5</m:t>
-                          </m:r>
-                        </m:num>
-                        <m:den>
-                          <m:r>
-                            <a:rPr lang="en-US" b="0" i="1" smtClean="0">
-                              <a:latin typeface="Cambria Math" panose="02040503050406030204" pitchFamily="18" charset="0"/>
-                            </a:rPr>
-                            <m:t>6</m:t>
-                          </m:r>
-                        </m:den>
-                      </m:f>
-                      <m:r>
-                        <a:rPr lang="en-US" b="0" i="1" smtClean="0">
-                          <a:latin typeface="Cambria Math" panose="02040503050406030204" pitchFamily="18" charset="0"/>
-                        </a:rPr>
-                        <m:t>=</m:t>
-                      </m:r>
-                      <m:f>
-                        <m:fPr>
-                          <m:ctrlPr>
-                            <a:rPr lang="en-US" b="0" i="1" smtClean="0">
-                              <a:latin typeface="Cambria Math" panose="02040503050406030204" pitchFamily="18" charset="0"/>
-                            </a:rPr>
-                          </m:ctrlPr>
-                        </m:fPr>
-                        <m:num>
-                          <m:r>
-                            <a:rPr lang="en-US" b="0" i="1" smtClean="0">
-                              <a:latin typeface="Cambria Math" panose="02040503050406030204" pitchFamily="18" charset="0"/>
-                            </a:rPr>
-                            <m:t>19</m:t>
-                          </m:r>
-                        </m:num>
-                        <m:den>
-                          <m:r>
-                            <a:rPr lang="en-US" b="0" i="1" smtClean="0">
-                              <a:latin typeface="Cambria Math" panose="02040503050406030204" pitchFamily="18" charset="0"/>
-                            </a:rPr>
-                            <m:t>6</m:t>
-                          </m:r>
-                        </m:den>
-                      </m:f>
-                      <m:r>
-                        <a:rPr lang="en-US" b="0" i="1" smtClean="0">
-                          <a:latin typeface="Cambria Math" panose="02040503050406030204" pitchFamily="18" charset="0"/>
-                        </a:rPr>
-                        <m:t>≥</m:t>
-                      </m:r>
-                      <m:r>
-                        <a:rPr lang="en-US" i="1">
-                          <a:latin typeface="Cambria Math" panose="02040503050406030204" pitchFamily="18" charset="0"/>
-                        </a:rPr>
-                        <m:t>𝑣</m:t>
-                      </m:r>
-                      <m:d>
-                        <m:dPr>
-                          <m:ctrlPr>
-                            <a:rPr lang="en-US" i="1">
-                              <a:latin typeface="Cambria Math" panose="02040503050406030204" pitchFamily="18" charset="0"/>
-                            </a:rPr>
-                          </m:ctrlPr>
-                        </m:dPr>
-                        <m:e>
-                          <m:r>
-                            <a:rPr lang="en-US" i="1">
-                              <a:latin typeface="Cambria Math" panose="02040503050406030204" pitchFamily="18" charset="0"/>
-                            </a:rPr>
-                            <m:t>𝑆</m:t>
-                          </m:r>
-                        </m:e>
-                      </m:d>
-                      <m:r>
-                        <a:rPr lang="en-US" i="1">
-                          <a:latin typeface="Cambria Math" panose="02040503050406030204" pitchFamily="18" charset="0"/>
-                        </a:rPr>
-                        <m:t>=</m:t>
-                      </m:r>
-                      <m:r>
-                        <a:rPr lang="en-US" b="0" i="1" smtClean="0">
-                          <a:latin typeface="Cambria Math" panose="02040503050406030204" pitchFamily="18" charset="0"/>
-                        </a:rPr>
-                        <m:t>3</m:t>
-                      </m:r>
-                    </m:oMath>
-                  </m:oMathPara>
-                </a14:m>
-                <a:endParaRPr lang="en-US" dirty="0"/>
-              </a:p>
-              <a:p>
-                <a:pPr marL="0" indent="0">
-                  <a:buNone/>
-                </a:pPr>
-                <a14:m>
-                  <m:oMath xmlns:m="http://schemas.openxmlformats.org/officeDocument/2006/math">
-                    <m:r>
-                      <a:rPr lang="en-US" i="1" dirty="0">
-                        <a:latin typeface="Cambria Math" panose="02040503050406030204" pitchFamily="18" charset="0"/>
-                      </a:rPr>
-                      <m:t>𝑆</m:t>
-                    </m:r>
-                    <m:r>
-                      <a:rPr lang="en-US" i="1" dirty="0">
-                        <a:latin typeface="Cambria Math" panose="02040503050406030204" pitchFamily="18" charset="0"/>
-                      </a:rPr>
-                      <m:t>={</m:t>
-                    </m:r>
-                    <m:sSub>
-                      <m:sSubPr>
-                        <m:ctrlPr>
-                          <a:rPr lang="en-US" i="1" dirty="0" err="1">
-                            <a:latin typeface="Cambria Math" panose="02040503050406030204" pitchFamily="18" charset="0"/>
-                          </a:rPr>
-                        </m:ctrlPr>
-                      </m:sSubPr>
-                      <m:e>
-                        <m:r>
-                          <a:rPr lang="en-US" i="1" dirty="0" err="1">
-                            <a:latin typeface="Cambria Math" panose="02040503050406030204" pitchFamily="18" charset="0"/>
-                          </a:rPr>
-                          <m:t>𝑤</m:t>
-                        </m:r>
-                      </m:e>
-                      <m:sub>
-                        <m:r>
-                          <a:rPr lang="en-US" b="0" i="1" dirty="0" smtClean="0">
-                            <a:latin typeface="Cambria Math" panose="02040503050406030204" pitchFamily="18" charset="0"/>
-                          </a:rPr>
-                          <m:t>1</m:t>
-                        </m:r>
-                      </m:sub>
-                    </m:sSub>
-                    <m:r>
-                      <a:rPr lang="en-US" b="0" i="1" dirty="0" smtClean="0">
-                        <a:latin typeface="Cambria Math" panose="02040503050406030204" pitchFamily="18" charset="0"/>
-                      </a:rPr>
-                      <m:t>,</m:t>
-                    </m:r>
-                    <m:sSub>
-                      <m:sSubPr>
-                        <m:ctrlPr>
-                          <a:rPr lang="en-US" b="0" i="1" dirty="0" smtClean="0">
-                            <a:latin typeface="Cambria Math" panose="02040503050406030204" pitchFamily="18" charset="0"/>
-                          </a:rPr>
-                        </m:ctrlPr>
-                      </m:sSubPr>
-                      <m:e>
-                        <m:r>
-                          <a:rPr lang="en-US" b="0" i="1" dirty="0" smtClean="0">
-                            <a:latin typeface="Cambria Math" panose="02040503050406030204" pitchFamily="18" charset="0"/>
-                          </a:rPr>
-                          <m:t>𝑤</m:t>
-                        </m:r>
-                      </m:e>
-                      <m:sub>
-                        <m:r>
-                          <a:rPr lang="en-US" b="0" i="1" dirty="0" smtClean="0">
-                            <a:latin typeface="Cambria Math" panose="02040503050406030204" pitchFamily="18" charset="0"/>
-                          </a:rPr>
-                          <m:t>2</m:t>
-                        </m:r>
-                      </m:sub>
-                    </m:sSub>
-                    <m:r>
-                      <a:rPr lang="en-US" i="1" dirty="0">
-                        <a:latin typeface="Cambria Math" panose="02040503050406030204" pitchFamily="18" charset="0"/>
-                      </a:rPr>
-                      <m:t>, </m:t>
-                    </m:r>
-                    <m:r>
-                      <a:rPr lang="en-US" i="1" dirty="0">
-                        <a:latin typeface="Cambria Math" panose="02040503050406030204" pitchFamily="18" charset="0"/>
-                      </a:rPr>
-                      <m:t>𝑐</m:t>
-                    </m:r>
-                    <m:r>
-                      <a:rPr lang="en-US" i="1" dirty="0">
-                        <a:latin typeface="Cambria Math" panose="02040503050406030204" pitchFamily="18" charset="0"/>
-                      </a:rPr>
-                      <m:t>}</m:t>
-                    </m:r>
-                  </m:oMath>
-                </a14:m>
-                <a:r>
-                  <a:rPr lang="en-US" dirty="0"/>
-                  <a:t>:</a:t>
-                </a:r>
-              </a:p>
-              <a:p>
-                <a:pPr marL="0" indent="0">
-                  <a:buNone/>
-                </a:pPr>
-                <a14:m>
-                  <m:oMathPara xmlns:m="http://schemas.openxmlformats.org/officeDocument/2006/math">
-                    <m:oMathParaPr>
-                      <m:jc m:val="centerGroup"/>
-                    </m:oMathParaPr>
-                    <m:oMath xmlns:m="http://schemas.openxmlformats.org/officeDocument/2006/math">
-                      <m:nary>
-                        <m:naryPr>
-                          <m:chr m:val="∑"/>
-                          <m:supHide m:val="on"/>
-                          <m:ctrlPr>
-                            <a:rPr lang="en-US" i="1">
-                              <a:latin typeface="Cambria Math" panose="02040503050406030204" pitchFamily="18" charset="0"/>
-                            </a:rPr>
-                          </m:ctrlPr>
-                        </m:naryPr>
-                        <m:sub>
-                          <m:r>
-                            <a:rPr lang="en-US" i="1">
-                              <a:latin typeface="Cambria Math" panose="02040503050406030204" pitchFamily="18" charset="0"/>
-                            </a:rPr>
-                            <m:t>𝑗</m:t>
-                          </m:r>
-                          <m:r>
-                            <a:rPr lang="en-US" i="1">
-                              <a:latin typeface="Cambria Math" panose="02040503050406030204" pitchFamily="18" charset="0"/>
-                            </a:rPr>
-                            <m:t>∈</m:t>
-                          </m:r>
-                          <m:r>
-                            <a:rPr lang="en-US" i="1">
-                              <a:latin typeface="Cambria Math" panose="02040503050406030204" pitchFamily="18" charset="0"/>
-                            </a:rPr>
-                            <m:t>𝑆</m:t>
-                          </m:r>
-                        </m:sub>
-                        <m:sup/>
-                        <m:e>
-                          <m:sSub>
-                            <m:sSubPr>
-                              <m:ctrlPr>
-                                <a:rPr lang="en-US" i="1">
-                                  <a:latin typeface="Cambria Math" panose="02040503050406030204" pitchFamily="18" charset="0"/>
-                                </a:rPr>
-                              </m:ctrlPr>
-                            </m:sSubPr>
-                            <m:e>
-                              <m:r>
-                                <a:rPr lang="en-US" i="1">
-                                  <a:latin typeface="Cambria Math" panose="02040503050406030204" pitchFamily="18" charset="0"/>
-                                </a:rPr>
-                                <m:t>𝑥</m:t>
-                              </m:r>
-                            </m:e>
-                            <m:sub>
-                              <m:r>
-                                <a:rPr lang="en-US" i="1">
-                                  <a:latin typeface="Cambria Math" panose="02040503050406030204" pitchFamily="18" charset="0"/>
-                                </a:rPr>
-                                <m:t>𝑗</m:t>
-                              </m:r>
-                            </m:sub>
-                          </m:sSub>
-                        </m:e>
-                      </m:nary>
-                      <m:r>
-                        <a:rPr lang="en-US" i="1">
-                          <a:latin typeface="Cambria Math" panose="02040503050406030204" pitchFamily="18" charset="0"/>
-                        </a:rPr>
-                        <m:t>=</m:t>
-                      </m:r>
-                      <m:f>
-                        <m:fPr>
-                          <m:ctrlPr>
-                            <a:rPr lang="en-US" i="1">
-                              <a:latin typeface="Cambria Math" panose="02040503050406030204" pitchFamily="18" charset="0"/>
-                            </a:rPr>
-                          </m:ctrlPr>
-                        </m:fPr>
-                        <m:num>
-                          <m:r>
-                            <a:rPr lang="en-US" i="1">
-                              <a:latin typeface="Cambria Math" panose="02040503050406030204" pitchFamily="18" charset="0"/>
-                            </a:rPr>
-                            <m:t>14</m:t>
-                          </m:r>
-                        </m:num>
-                        <m:den>
-                          <m:r>
-                            <a:rPr lang="en-US" b="0" i="1" smtClean="0">
-                              <a:latin typeface="Cambria Math" panose="02040503050406030204" pitchFamily="18" charset="0"/>
-                            </a:rPr>
-                            <m:t>6</m:t>
-                          </m:r>
-                        </m:den>
-                      </m:f>
-                      <m:r>
-                        <a:rPr lang="en-US" i="1">
-                          <a:latin typeface="Cambria Math" panose="02040503050406030204" pitchFamily="18" charset="0"/>
-                        </a:rPr>
-                        <m:t>+</m:t>
-                      </m:r>
-                      <m:f>
-                        <m:fPr>
-                          <m:ctrlPr>
-                            <a:rPr lang="en-US" i="1">
-                              <a:latin typeface="Cambria Math" panose="02040503050406030204" pitchFamily="18" charset="0"/>
-                            </a:rPr>
-                          </m:ctrlPr>
-                        </m:fPr>
-                        <m:num>
-                          <m:r>
-                            <a:rPr lang="en-US" b="0" i="1" smtClean="0">
-                              <a:latin typeface="Cambria Math" panose="02040503050406030204" pitchFamily="18" charset="0"/>
-                            </a:rPr>
-                            <m:t>5</m:t>
-                          </m:r>
-                        </m:num>
-                        <m:den>
-                          <m:r>
-                            <a:rPr lang="en-US" b="0" i="1" smtClean="0">
-                              <a:latin typeface="Cambria Math" panose="02040503050406030204" pitchFamily="18" charset="0"/>
-                            </a:rPr>
-                            <m:t>6</m:t>
-                          </m:r>
-                        </m:den>
-                      </m:f>
-                      <m:r>
-                        <a:rPr lang="en-US" b="0" i="1" smtClean="0">
-                          <a:latin typeface="Cambria Math" panose="02040503050406030204" pitchFamily="18" charset="0"/>
-                        </a:rPr>
-                        <m:t>+</m:t>
-                      </m:r>
-                      <m:f>
-                        <m:fPr>
-                          <m:ctrlPr>
-                            <a:rPr lang="en-US" i="1">
-                              <a:latin typeface="Cambria Math" panose="02040503050406030204" pitchFamily="18" charset="0"/>
-                            </a:rPr>
-                          </m:ctrlPr>
-                        </m:fPr>
-                        <m:num>
-                          <m:r>
-                            <a:rPr lang="en-US" b="0" i="1" smtClean="0">
-                              <a:latin typeface="Cambria Math" panose="02040503050406030204" pitchFamily="18" charset="0"/>
-                            </a:rPr>
-                            <m:t>5</m:t>
-                          </m:r>
-                        </m:num>
-                        <m:den>
-                          <m:r>
-                            <a:rPr lang="en-US" b="0" i="1" smtClean="0">
-                              <a:latin typeface="Cambria Math" panose="02040503050406030204" pitchFamily="18" charset="0"/>
-                            </a:rPr>
-                            <m:t>6</m:t>
-                          </m:r>
-                        </m:den>
-                      </m:f>
-                      <m:r>
-                        <a:rPr lang="en-US" i="1">
-                          <a:latin typeface="Cambria Math" panose="02040503050406030204" pitchFamily="18" charset="0"/>
-                        </a:rPr>
-                        <m:t>=</m:t>
-                      </m:r>
-                      <m:r>
-                        <a:rPr lang="en-US" b="0" i="1" smtClean="0">
-                          <a:latin typeface="Cambria Math" panose="02040503050406030204" pitchFamily="18" charset="0"/>
-                        </a:rPr>
-                        <m:t>4</m:t>
-                      </m:r>
-                      <m:r>
-                        <a:rPr lang="en-US" i="1">
-                          <a:latin typeface="Cambria Math" panose="02040503050406030204" pitchFamily="18" charset="0"/>
-                        </a:rPr>
-                        <m:t>≥</m:t>
-                      </m:r>
-                      <m:r>
-                        <a:rPr lang="en-US" i="1">
-                          <a:latin typeface="Cambria Math" panose="02040503050406030204" pitchFamily="18" charset="0"/>
-                        </a:rPr>
-                        <m:t>𝑣</m:t>
-                      </m:r>
-                      <m:d>
-                        <m:dPr>
-                          <m:ctrlPr>
-                            <a:rPr lang="en-US" i="1">
-                              <a:latin typeface="Cambria Math" panose="02040503050406030204" pitchFamily="18" charset="0"/>
-                            </a:rPr>
-                          </m:ctrlPr>
-                        </m:dPr>
-                        <m:e>
-                          <m:r>
-                            <a:rPr lang="en-US" i="1">
-                              <a:latin typeface="Cambria Math" panose="02040503050406030204" pitchFamily="18" charset="0"/>
-                            </a:rPr>
-                            <m:t>𝑆</m:t>
-                          </m:r>
-                        </m:e>
-                      </m:d>
-                      <m:r>
-                        <a:rPr lang="en-US" i="1">
-                          <a:latin typeface="Cambria Math" panose="02040503050406030204" pitchFamily="18" charset="0"/>
-                        </a:rPr>
-                        <m:t>=</m:t>
-                      </m:r>
-                      <m:r>
-                        <a:rPr lang="en-US" b="0" i="1" smtClean="0">
-                          <a:latin typeface="Cambria Math" panose="02040503050406030204" pitchFamily="18" charset="0"/>
-                        </a:rPr>
-                        <m:t>4</m:t>
-                      </m:r>
-                    </m:oMath>
-                  </m:oMathPara>
-                </a14:m>
-                <a:endParaRPr lang="en-US" dirty="0"/>
-              </a:p>
-              <a:p>
-                <a:pPr marL="0" indent="0">
-                  <a:buNone/>
-                </a:pPr>
-                <a:endParaRPr lang="de-DE" dirty="0"/>
-              </a:p>
-            </p:txBody>
-          </p:sp>
-        </mc:Choice>
-        <mc:Fallback>
-          <p:sp>
-            <p:nvSpPr>
-              <p:cNvPr id="2" name="Inhaltsplatzhalter 1"/>
-              <p:cNvSpPr>
-                <a:spLocks noGrp="1" noRot="1" noChangeAspect="1" noMove="1" noResize="1" noEditPoints="1" noAdjustHandles="1" noChangeArrowheads="1" noChangeShapeType="1" noTextEdit="1"/>
-              </p:cNvSpPr>
-              <p:nvPr>
-                <p:ph idx="1"/>
-              </p:nvPr>
-            </p:nvSpPr>
-            <p:spPr>
-              <a:blipFill>
-                <a:blip r:embed="rId2"/>
-                <a:stretch>
-                  <a:fillRect/>
-                </a:stretch>
-              </a:blipFill>
-            </p:spPr>
-            <p:txBody>
-              <a:bodyPr/>
-              <a:lstStyle/>
-              <a:p>
-                <a:r>
-                  <a:rPr lang="de-DE">
-                    <a:noFill/>
-                  </a:rPr>
-                  <a:t> </a:t>
-                </a:r>
-              </a:p>
-            </p:txBody>
-          </p:sp>
-        </mc:Fallback>
-      </mc:AlternateContent>
-      <p:sp>
-        <p:nvSpPr>
-          <p:cNvPr id="3" name="Titel 2"/>
-          <p:cNvSpPr>
-            <a:spLocks noGrp="1"/>
-          </p:cNvSpPr>
-          <p:nvPr>
-            <p:ph type="title"/>
-          </p:nvPr>
-        </p:nvSpPr>
-        <p:spPr/>
-        <p:txBody>
-          <a:bodyPr/>
-          <a:lstStyle/>
-          <a:p>
-            <a:r>
-              <a:rPr lang="en-US" dirty="0"/>
-              <a:t>Shapley-Wert </a:t>
-            </a:r>
-            <a:r>
-              <a:rPr lang="en-US" dirty="0" err="1"/>
-              <a:t>im</a:t>
-            </a:r>
-            <a:r>
-              <a:rPr lang="en-US" dirty="0"/>
-              <a:t> Kern?</a:t>
-            </a:r>
-            <a:endParaRPr lang="de-DE" dirty="0"/>
-          </a:p>
-        </p:txBody>
-      </p:sp>
-      <p:sp>
-        <p:nvSpPr>
-          <p:cNvPr id="4" name="Datumsplatzhalter 3"/>
-          <p:cNvSpPr>
-            <a:spLocks noGrp="1"/>
-          </p:cNvSpPr>
-          <p:nvPr>
-            <p:ph type="dt" sz="half" idx="10"/>
-          </p:nvPr>
-        </p:nvSpPr>
-        <p:spPr/>
-        <p:txBody>
-          <a:bodyPr/>
-          <a:lstStyle/>
-          <a:p>
-            <a:pPr>
-              <a:defRPr/>
-            </a:pPr>
-            <a:fld id="{972A6A5B-77CB-4D42-9DB4-CC6D207310B8}" type="datetime1">
-              <a:rPr lang="de-DE" smtClean="0"/>
-              <a:pPr>
-                <a:defRPr/>
-              </a:pPr>
-              <a:t>08.12.2016</a:t>
-            </a:fld>
-            <a:endParaRPr lang="en-GB" dirty="0"/>
-          </a:p>
-        </p:txBody>
-      </p:sp>
-      <p:sp>
-        <p:nvSpPr>
-          <p:cNvPr id="5" name="Fußzeilenplatzhalter 4"/>
-          <p:cNvSpPr>
-            <a:spLocks noGrp="1"/>
-          </p:cNvSpPr>
-          <p:nvPr>
-            <p:ph type="ftr" sz="quarter" idx="11"/>
-          </p:nvPr>
-        </p:nvSpPr>
-        <p:spPr/>
-        <p:txBody>
-          <a:bodyPr/>
-          <a:lstStyle/>
-          <a:p>
-            <a:pPr>
-              <a:defRPr/>
-            </a:pPr>
-            <a:endParaRPr lang="en-GB" dirty="0"/>
-          </a:p>
-        </p:txBody>
-      </p:sp>
-      <p:sp>
-        <p:nvSpPr>
-          <p:cNvPr id="6" name="Foliennummernplatzhalter 5"/>
-          <p:cNvSpPr>
-            <a:spLocks noGrp="1"/>
-          </p:cNvSpPr>
-          <p:nvPr>
-            <p:ph type="sldNum" sz="quarter" idx="12"/>
-          </p:nvPr>
-        </p:nvSpPr>
-        <p:spPr/>
-        <p:txBody>
-          <a:bodyPr/>
-          <a:lstStyle/>
-          <a:p>
-            <a:pPr>
-              <a:defRPr/>
-            </a:pPr>
-            <a:fld id="{E85D1952-A6FC-4ACE-AEE4-EFAF5C32DAC6}" type="slidenum">
-              <a:rPr lang="en-GB" smtClean="0"/>
-              <a:pPr>
-                <a:defRPr/>
-              </a:pPr>
-              <a:t>18</a:t>
-            </a:fld>
-            <a:endParaRPr lang="en-GB" dirty="0"/>
-          </a:p>
-        </p:txBody>
-      </p:sp>
-      <p:sp>
-        <p:nvSpPr>
-          <p:cNvPr id="11" name="Smiley 10"/>
-          <p:cNvSpPr/>
-          <p:nvPr/>
-        </p:nvSpPr>
-        <p:spPr bwMode="auto">
-          <a:xfrm>
-            <a:off x="7092280" y="4149080"/>
-            <a:ext cx="576064" cy="576064"/>
-          </a:xfrm>
-          <a:prstGeom prst="smileyFace">
-            <a:avLst/>
-          </a:prstGeom>
-          <a:ln>
-            <a:headEnd type="none" w="med" len="med"/>
-            <a:tailEnd type="none" w="med" len="med"/>
-          </a:ln>
-          <a:extLst/>
-        </p:spPr>
-        <p:style>
-          <a:lnRef idx="1">
-            <a:schemeClr val="accent6"/>
-          </a:lnRef>
-          <a:fillRef idx="3">
-            <a:schemeClr val="accent6"/>
-          </a:fillRef>
-          <a:effectRef idx="2">
-            <a:schemeClr val="accent6"/>
-          </a:effectRef>
-          <a:fontRef idx="minor">
-            <a:schemeClr val="lt1"/>
-          </a:fontRef>
-        </p:style>
-        <p:txBody>
-          <a:bodyPr vert="horz" wrap="square" lIns="91440" tIns="45720" rIns="91440" bIns="45720" numCol="1" rtlCol="0" anchor="t" anchorCtr="0" compatLnSpc="1">
-            <a:prstTxWarp prst="textNoShape">
-              <a:avLst/>
-            </a:prstTxWarp>
-          </a:bodyPr>
-          <a:lstStyle/>
-          <a:p>
-            <a:pPr marL="0" marR="0" indent="0" algn="l" defTabSz="914400" rtl="0" eaLnBrk="0" fontAlgn="base" latinLnBrk="0" hangingPunct="0">
-              <a:lnSpc>
-                <a:spcPct val="100000"/>
-              </a:lnSpc>
-              <a:spcBef>
-                <a:spcPct val="0"/>
-              </a:spcBef>
-              <a:spcAft>
-                <a:spcPct val="0"/>
-              </a:spcAft>
-              <a:buClrTx/>
-              <a:buSzTx/>
-              <a:buFontTx/>
-              <a:buNone/>
-              <a:tabLst/>
-            </a:pPr>
-            <a:endParaRPr kumimoji="0" lang="de-DE" sz="2400" b="0" i="0" u="none" strike="noStrike" cap="none" normalizeH="0" baseline="0">
-              <a:ln>
-                <a:noFill/>
-              </a:ln>
-              <a:solidFill>
-                <a:schemeClr val="tx1"/>
-              </a:solidFill>
-              <a:effectLst/>
-              <a:latin typeface="Arial" charset="0"/>
-              <a:ea typeface="ＭＳ Ｐゴシック" pitchFamily="48" charset="-128"/>
-            </a:endParaRPr>
-          </a:p>
-        </p:txBody>
-      </p:sp>
-      <p:sp>
-        <p:nvSpPr>
-          <p:cNvPr id="16" name="Smiley 15"/>
-          <p:cNvSpPr/>
-          <p:nvPr/>
-        </p:nvSpPr>
-        <p:spPr bwMode="auto">
-          <a:xfrm>
-            <a:off x="7097595" y="2636912"/>
-            <a:ext cx="576064" cy="576064"/>
-          </a:xfrm>
-          <a:prstGeom prst="smileyFace">
-            <a:avLst/>
-          </a:prstGeom>
-          <a:ln>
-            <a:headEnd type="none" w="med" len="med"/>
-            <a:tailEnd type="none" w="med" len="med"/>
-          </a:ln>
-          <a:extLst/>
-        </p:spPr>
-        <p:style>
-          <a:lnRef idx="1">
-            <a:schemeClr val="accent6"/>
-          </a:lnRef>
-          <a:fillRef idx="3">
-            <a:schemeClr val="accent6"/>
-          </a:fillRef>
-          <a:effectRef idx="2">
-            <a:schemeClr val="accent6"/>
-          </a:effectRef>
-          <a:fontRef idx="minor">
-            <a:schemeClr val="lt1"/>
-          </a:fontRef>
-        </p:style>
-        <p:txBody>
-          <a:bodyPr vert="horz" wrap="square" lIns="91440" tIns="45720" rIns="91440" bIns="45720" numCol="1" rtlCol="0" anchor="t" anchorCtr="0" compatLnSpc="1">
-            <a:prstTxWarp prst="textNoShape">
-              <a:avLst/>
-            </a:prstTxWarp>
-          </a:bodyPr>
-          <a:lstStyle/>
-          <a:p>
-            <a:pPr marL="0" marR="0" indent="0" algn="l" defTabSz="914400" rtl="0" eaLnBrk="0" fontAlgn="base" latinLnBrk="0" hangingPunct="0">
-              <a:lnSpc>
-                <a:spcPct val="100000"/>
-              </a:lnSpc>
-              <a:spcBef>
-                <a:spcPct val="0"/>
-              </a:spcBef>
-              <a:spcAft>
-                <a:spcPct val="0"/>
-              </a:spcAft>
-              <a:buClrTx/>
-              <a:buSzTx/>
-              <a:buFontTx/>
-              <a:buNone/>
-              <a:tabLst/>
-            </a:pPr>
-            <a:endParaRPr kumimoji="0" lang="de-DE" sz="2400" b="0" i="0" u="none" strike="noStrike" cap="none" normalizeH="0" baseline="0">
-              <a:ln>
-                <a:noFill/>
-              </a:ln>
-              <a:solidFill>
-                <a:schemeClr val="tx1"/>
-              </a:solidFill>
-              <a:effectLst/>
-              <a:latin typeface="Arial" charset="0"/>
-              <a:ea typeface="ＭＳ Ｐゴシック" pitchFamily="48" charset="-128"/>
-            </a:endParaRPr>
-          </a:p>
-        </p:txBody>
-      </p:sp>
-    </p:spTree>
-    <p:extLst>
-      <p:ext uri="{BB962C8B-B14F-4D97-AF65-F5344CB8AC3E}">
-        <p14:creationId xmlns:p14="http://schemas.microsoft.com/office/powerpoint/2010/main" val="2964470059"/>
-      </p:ext>
-    </p:extLst>
-  </p:cSld>
-  <p:clrMapOvr>
-    <a:masterClrMapping/>
-  </p:clrMapOvr>
-</p:sld>
-</file>
-
 <file path=ppt/slides/slide2.xml><?xml version="1.0" encoding="utf-8"?>
 <p:sld xmlns:a="http://schemas.openxmlformats.org/drawingml/2006/main" xmlns:r="http://schemas.openxmlformats.org/officeDocument/2006/relationships" xmlns:p="http://schemas.openxmlformats.org/presentationml/2006/main">
   <p:cSld>
@@ -11607,154 +10068,6 @@
 </file>
 
 <file path=ppt/slides/slide3.xml><?xml version="1.0" encoding="utf-8"?>
-<p:sld xmlns:a="http://schemas.openxmlformats.org/drawingml/2006/main" xmlns:r="http://schemas.openxmlformats.org/officeDocument/2006/relationships" xmlns:p="http://schemas.openxmlformats.org/presentationml/2006/main">
-  <p:cSld>
-    <p:spTree>
-      <p:nvGrpSpPr>
-        <p:cNvPr id="1" name=""/>
-        <p:cNvGrpSpPr/>
-        <p:nvPr/>
-      </p:nvGrpSpPr>
-      <p:grpSpPr>
-        <a:xfrm>
-          <a:off x="0" y="0"/>
-          <a:ext cx="0" cy="0"/>
-          <a:chOff x="0" y="0"/>
-          <a:chExt cx="0" cy="0"/>
-        </a:xfrm>
-      </p:grpSpPr>
-      <p:sp>
-        <p:nvSpPr>
-          <p:cNvPr id="8" name="Inhaltsplatzhalter 7"/>
-          <p:cNvSpPr>
-            <a:spLocks noGrp="1"/>
-          </p:cNvSpPr>
-          <p:nvPr>
-            <p:ph idx="1"/>
-          </p:nvPr>
-        </p:nvSpPr>
-        <p:spPr/>
-        <p:txBody>
-          <a:bodyPr/>
-          <a:lstStyle/>
-          <a:p>
-            <a:endParaRPr lang="de-DE"/>
-          </a:p>
-        </p:txBody>
-      </p:sp>
-      <p:sp>
-        <p:nvSpPr>
-          <p:cNvPr id="7" name="Titel 6"/>
-          <p:cNvSpPr>
-            <a:spLocks noGrp="1"/>
-          </p:cNvSpPr>
-          <p:nvPr>
-            <p:ph type="title"/>
-          </p:nvPr>
-        </p:nvSpPr>
-        <p:spPr/>
-        <p:txBody>
-          <a:bodyPr/>
-          <a:lstStyle/>
-          <a:p>
-            <a:endParaRPr lang="de-DE" dirty="0"/>
-          </a:p>
-        </p:txBody>
-      </p:sp>
-      <p:sp>
-        <p:nvSpPr>
-          <p:cNvPr id="3" name="Datumsplatzhalter 2"/>
-          <p:cNvSpPr>
-            <a:spLocks noGrp="1"/>
-          </p:cNvSpPr>
-          <p:nvPr>
-            <p:ph type="dt" sz="half" idx="10"/>
-          </p:nvPr>
-        </p:nvSpPr>
-        <p:spPr/>
-        <p:txBody>
-          <a:bodyPr/>
-          <a:lstStyle/>
-          <a:p>
-            <a:pPr>
-              <a:defRPr/>
-            </a:pPr>
-            <a:fld id="{972A6A5B-77CB-4D42-9DB4-CC6D207310B8}" type="datetime1">
-              <a:rPr lang="de-DE" smtClean="0"/>
-              <a:pPr>
-                <a:defRPr/>
-              </a:pPr>
-              <a:t>08.12.2016</a:t>
-            </a:fld>
-            <a:endParaRPr lang="en-GB" dirty="0"/>
-          </a:p>
-        </p:txBody>
-      </p:sp>
-      <p:sp>
-        <p:nvSpPr>
-          <p:cNvPr id="4" name="Fußzeilenplatzhalter 3"/>
-          <p:cNvSpPr>
-            <a:spLocks noGrp="1"/>
-          </p:cNvSpPr>
-          <p:nvPr>
-            <p:ph type="ftr" sz="quarter" idx="11"/>
-          </p:nvPr>
-        </p:nvSpPr>
-        <p:spPr/>
-        <p:txBody>
-          <a:bodyPr/>
-          <a:lstStyle/>
-          <a:p>
-            <a:pPr>
-              <a:defRPr/>
-            </a:pPr>
-            <a:endParaRPr lang="en-GB" dirty="0"/>
-          </a:p>
-        </p:txBody>
-      </p:sp>
-      <p:sp>
-        <p:nvSpPr>
-          <p:cNvPr id="5" name="Foliennummernplatzhalter 4"/>
-          <p:cNvSpPr>
-            <a:spLocks noGrp="1"/>
-          </p:cNvSpPr>
-          <p:nvPr>
-            <p:ph type="sldNum" sz="quarter" idx="12"/>
-          </p:nvPr>
-        </p:nvSpPr>
-        <p:spPr/>
-        <p:txBody>
-          <a:bodyPr/>
-          <a:lstStyle/>
-          <a:p>
-            <a:pPr>
-              <a:defRPr/>
-            </a:pPr>
-            <a:fld id="{E85D1952-A6FC-4ACE-AEE4-EFAF5C32DAC6}" type="slidenum">
-              <a:rPr lang="en-GB" smtClean="0"/>
-              <a:pPr>
-                <a:defRPr/>
-              </a:pPr>
-              <a:t>3</a:t>
-            </a:fld>
-            <a:endParaRPr lang="en-GB" dirty="0"/>
-          </a:p>
-        </p:txBody>
-      </p:sp>
-    </p:spTree>
-    <p:extLst>
-      <p:ext uri="{BB962C8B-B14F-4D97-AF65-F5344CB8AC3E}">
-        <p14:creationId xmlns:p14="http://schemas.microsoft.com/office/powerpoint/2010/main" val="2410856608"/>
-      </p:ext>
-    </p:extLst>
-  </p:cSld>
-  <p:clrMapOvr>
-    <a:masterClrMapping/>
-  </p:clrMapOvr>
-</p:sld>
-</file>
-
-<file path=ppt/slides/slide4.xml><?xml version="1.0" encoding="utf-8"?>
 <p:sld xmlns:a="http://schemas.openxmlformats.org/drawingml/2006/main" xmlns:r="http://schemas.openxmlformats.org/officeDocument/2006/relationships" xmlns:p="http://schemas.openxmlformats.org/presentationml/2006/main">
   <p:cSld>
     <p:spTree>
@@ -11905,7 +10218,7 @@
               <a:pPr>
                 <a:defRPr/>
               </a:pPr>
-              <a:t>4</a:t>
+              <a:t>3</a:t>
             </a:fld>
             <a:endParaRPr lang="en-GB" dirty="0"/>
           </a:p>
@@ -11924,7 +10237,7 @@
 </p:sld>
 </file>
 
-<file path=ppt/slides/slide5.xml><?xml version="1.0" encoding="utf-8"?>
+<file path=ppt/slides/slide4.xml><?xml version="1.0" encoding="utf-8"?>
 <p:sld xmlns:a="http://schemas.openxmlformats.org/drawingml/2006/main" xmlns:r="http://schemas.openxmlformats.org/officeDocument/2006/relationships" xmlns:p="http://schemas.openxmlformats.org/presentationml/2006/main">
   <p:cSld>
     <p:spTree>
@@ -12765,7 +11078,7 @@
               <a:pPr>
                 <a:defRPr/>
               </a:pPr>
-              <a:t>5</a:t>
+              <a:t>4</a:t>
             </a:fld>
             <a:endParaRPr lang="en-GB" dirty="0"/>
           </a:p>
@@ -12784,7 +11097,7 @@
 </p:sld>
 </file>
 
-<file path=ppt/slides/slide6.xml><?xml version="1.0" encoding="utf-8"?>
+<file path=ppt/slides/slide5.xml><?xml version="1.0" encoding="utf-8"?>
 <p:sld xmlns:a="http://schemas.openxmlformats.org/drawingml/2006/main" xmlns:r="http://schemas.openxmlformats.org/officeDocument/2006/relationships" xmlns:p="http://schemas.openxmlformats.org/presentationml/2006/main">
   <p:cSld>
     <p:spTree>
@@ -13213,7 +11526,7 @@
               <a:pPr>
                 <a:defRPr/>
               </a:pPr>
-              <a:t>6</a:t>
+              <a:t>5</a:t>
             </a:fld>
             <a:endParaRPr lang="en-GB" dirty="0"/>
           </a:p>
@@ -13232,7 +11545,7 @@
 </p:sld>
 </file>
 
-<file path=ppt/slides/slide7.xml><?xml version="1.0" encoding="utf-8"?>
+<file path=ppt/slides/slide6.xml><?xml version="1.0" encoding="utf-8"?>
 <p:sld xmlns:a="http://schemas.openxmlformats.org/drawingml/2006/main" xmlns:r="http://schemas.openxmlformats.org/officeDocument/2006/relationships" xmlns:p="http://schemas.openxmlformats.org/presentationml/2006/main">
   <p:cSld>
     <p:spTree>
@@ -14241,7 +12554,7 @@
               <a:pPr>
                 <a:defRPr/>
               </a:pPr>
-              <a:t>7</a:t>
+              <a:t>6</a:t>
             </a:fld>
             <a:endParaRPr lang="en-GB" dirty="0"/>
           </a:p>
@@ -14260,7 +12573,7 @@
 </p:sld>
 </file>
 
-<file path=ppt/slides/slide8.xml><?xml version="1.0" encoding="utf-8"?>
+<file path=ppt/slides/slide7.xml><?xml version="1.0" encoding="utf-8"?>
 <p:sld xmlns:a="http://schemas.openxmlformats.org/drawingml/2006/main" xmlns:r="http://schemas.openxmlformats.org/officeDocument/2006/relationships" xmlns:p="http://schemas.openxmlformats.org/presentationml/2006/main">
   <p:cSld>
     <p:spTree>
@@ -14863,7 +13176,7 @@
               <a:pPr>
                 <a:defRPr/>
               </a:pPr>
-              <a:t>8</a:t>
+              <a:t>7</a:t>
             </a:fld>
             <a:endParaRPr lang="en-GB" dirty="0"/>
           </a:p>
@@ -14882,7 +13195,7 @@
 </p:sld>
 </file>
 
-<file path=ppt/slides/slide9.xml><?xml version="1.0" encoding="utf-8"?>
+<file path=ppt/slides/slide8.xml><?xml version="1.0" encoding="utf-8"?>
 <p:sld xmlns:a="http://schemas.openxmlformats.org/drawingml/2006/main" xmlns:r="http://schemas.openxmlformats.org/officeDocument/2006/relationships" xmlns:p="http://schemas.openxmlformats.org/presentationml/2006/main">
   <p:cSld>
     <p:spTree>
@@ -16136,6 +14449,456 @@
               <a:pPr>
                 <a:defRPr/>
               </a:pPr>
+              <a:t>8</a:t>
+            </a:fld>
+            <a:endParaRPr lang="en-GB" dirty="0"/>
+          </a:p>
+        </p:txBody>
+      </p:sp>
+    </p:spTree>
+    <p:extLst>
+      <p:ext uri="{BB962C8B-B14F-4D97-AF65-F5344CB8AC3E}">
+        <p14:creationId xmlns:p14="http://schemas.microsoft.com/office/powerpoint/2010/main" val="3690374284"/>
+      </p:ext>
+    </p:extLst>
+  </p:cSld>
+  <p:clrMapOvr>
+    <a:masterClrMapping/>
+  </p:clrMapOvr>
+</p:sld>
+</file>
+
+<file path=ppt/slides/slide9.xml><?xml version="1.0" encoding="utf-8"?>
+<p:sld xmlns:a="http://schemas.openxmlformats.org/drawingml/2006/main" xmlns:r="http://schemas.openxmlformats.org/officeDocument/2006/relationships" xmlns:p="http://schemas.openxmlformats.org/presentationml/2006/main">
+  <p:cSld>
+    <p:spTree>
+      <p:nvGrpSpPr>
+        <p:cNvPr id="1" name=""/>
+        <p:cNvGrpSpPr/>
+        <p:nvPr/>
+      </p:nvGrpSpPr>
+      <p:grpSpPr>
+        <a:xfrm>
+          <a:off x="0" y="0"/>
+          <a:ext cx="0" cy="0"/>
+          <a:chOff x="0" y="0"/>
+          <a:chExt cx="0" cy="0"/>
+        </a:xfrm>
+      </p:grpSpPr>
+      <mc:AlternateContent xmlns:mc="http://schemas.openxmlformats.org/markup-compatibility/2006">
+        <mc:Choice xmlns:a14="http://schemas.microsoft.com/office/drawing/2010/main" Requires="a14">
+          <p:sp>
+            <p:nvSpPr>
+              <p:cNvPr id="2" name="Inhaltsplatzhalter 1"/>
+              <p:cNvSpPr>
+                <a:spLocks noGrp="1"/>
+              </p:cNvSpPr>
+              <p:nvPr>
+                <p:ph idx="1"/>
+              </p:nvPr>
+            </p:nvSpPr>
+            <p:spPr/>
+            <p:txBody>
+              <a:bodyPr/>
+              <a:lstStyle/>
+              <a:p>
+                <a:pPr marL="0" indent="0">
+                  <a:buNone/>
+                </a:pPr>
+                <a:r>
+                  <a:rPr lang="en-US" i="1" dirty="0"/>
+                  <a:t>“</a:t>
+                </a:r>
+                <a:r>
+                  <a:rPr lang="de-DE" i="1" dirty="0"/>
+                  <a:t>Nehmen Sie an, 3 Agenten (</a:t>
+                </a:r>
+                <a14:m>
+                  <m:oMath xmlns:m="http://schemas.openxmlformats.org/officeDocument/2006/math">
+                    <m:r>
+                      <a:rPr lang="de-DE" i="1" dirty="0" smtClean="0">
+                        <a:latin typeface="Cambria Math" panose="02040503050406030204" pitchFamily="18" charset="0"/>
+                      </a:rPr>
+                      <m:t>𝑁</m:t>
+                    </m:r>
+                    <m:r>
+                      <a:rPr lang="de-DE" i="1" dirty="0" smtClean="0">
+                        <a:latin typeface="Cambria Math" panose="02040503050406030204" pitchFamily="18" charset="0"/>
+                      </a:rPr>
+                      <m:t> = {1, </m:t>
+                    </m:r>
+                    <m:r>
+                      <a:rPr lang="de-DE" i="1" dirty="0" smtClean="0">
+                        <a:latin typeface="Cambria Math" panose="02040503050406030204" pitchFamily="18" charset="0"/>
+                      </a:rPr>
+                      <m:t>2, 3}) </m:t>
+                    </m:r>
+                  </m:oMath>
+                </a14:m>
+                <a:r>
+                  <a:rPr lang="de-DE" i="1" dirty="0"/>
+                  <a:t>können gemeinsam 100% Werbereichweite erreichen, je 2 schaffen 80% und einer alleine 0%. </a:t>
+                </a:r>
+              </a:p>
+              <a:p>
+                <a:pPr marL="0" indent="0">
+                  <a:buNone/>
+                </a:pPr>
+                <a:r>
+                  <a:rPr lang="de-DE" i="1" dirty="0"/>
+                  <a:t>Es sei ein bestimmter Betrag von </a:t>
+                </a:r>
+                <a14:m>
+                  <m:oMath xmlns:m="http://schemas.openxmlformats.org/officeDocument/2006/math">
+                    <m:r>
+                      <a:rPr lang="de-DE" i="1" dirty="0" smtClean="0">
+                        <a:latin typeface="Cambria Math" panose="02040503050406030204" pitchFamily="18" charset="0"/>
+                      </a:rPr>
+                      <m:t>𝑥</m:t>
+                    </m:r>
+                  </m:oMath>
+                </a14:m>
+                <a:r>
+                  <a:rPr lang="de-DE" i="1" dirty="0"/>
+                  <a:t> Euro bei 100% Reichweite erreichbar (der Wert der großen Koalition). </a:t>
+                </a:r>
+              </a:p>
+              <a:p>
+                <a:pPr marL="0" indent="0">
+                  <a:buNone/>
+                </a:pPr>
+                <a:r>
+                  <a:rPr lang="de-DE" i="1" dirty="0"/>
+                  <a:t>Auszuzahlen ist ein relativer Anteil von </a:t>
+                </a:r>
+                <a14:m>
+                  <m:oMath xmlns:m="http://schemas.openxmlformats.org/officeDocument/2006/math">
+                    <m:r>
+                      <a:rPr lang="de-DE" i="1" dirty="0" smtClean="0">
+                        <a:latin typeface="Cambria Math" panose="02040503050406030204" pitchFamily="18" charset="0"/>
+                      </a:rPr>
+                      <m:t>𝑥</m:t>
+                    </m:r>
+                  </m:oMath>
+                </a14:m>
+                <a:r>
+                  <a:rPr lang="de-DE" i="1" dirty="0"/>
+                  <a:t>, also Werte zwischen 0 und 1 für alle Agenten in </a:t>
+                </a:r>
+                <a14:m>
+                  <m:oMath xmlns:m="http://schemas.openxmlformats.org/officeDocument/2006/math">
+                    <m:r>
+                      <a:rPr lang="de-DE" i="1" dirty="0" smtClean="0">
+                        <a:latin typeface="Cambria Math" panose="02040503050406030204" pitchFamily="18" charset="0"/>
+                      </a:rPr>
+                      <m:t>𝑁</m:t>
+                    </m:r>
+                  </m:oMath>
+                </a14:m>
+                <a:r>
+                  <a:rPr lang="de-DE" i="1" dirty="0"/>
+                  <a:t>.</a:t>
+                </a:r>
+              </a:p>
+              <a:p>
+                <a:pPr marL="0" indent="0">
+                  <a:buNone/>
+                </a:pPr>
+                <a:r>
+                  <a:rPr lang="de-DE" b="1" i="1" dirty="0"/>
+                  <a:t>Formalisieren Sie diese Situation</a:t>
+                </a:r>
+                <a:r>
+                  <a:rPr lang="de-DE" i="1" dirty="0"/>
+                  <a:t> mittels der </a:t>
+                </a:r>
+                <a:r>
+                  <a:rPr lang="de-DE" b="1" i="1" dirty="0"/>
+                  <a:t>charakteristischen Funktion</a:t>
+                </a:r>
+                <a:r>
+                  <a:rPr lang="de-DE" i="1" dirty="0"/>
+                  <a:t> und geben sie </a:t>
+                </a:r>
+                <a:r>
+                  <a:rPr lang="de-DE" b="1" i="1" dirty="0"/>
+                  <a:t>eine Auszahlung</a:t>
+                </a:r>
+                <a:r>
+                  <a:rPr lang="de-DE" i="1" dirty="0"/>
+                  <a:t> (also einen Vektor </a:t>
+                </a:r>
+                <a14:m>
+                  <m:oMath xmlns:m="http://schemas.openxmlformats.org/officeDocument/2006/math">
+                    <m:r>
+                      <a:rPr lang="de-DE" i="1" dirty="0" smtClean="0">
+                        <a:latin typeface="Cambria Math" panose="02040503050406030204" pitchFamily="18" charset="0"/>
+                      </a:rPr>
+                      <m:t>𝑥</m:t>
+                    </m:r>
+                  </m:oMath>
+                </a14:m>
+                <a:r>
+                  <a:rPr lang="de-DE" i="1" dirty="0"/>
+                  <a:t> mit </a:t>
+                </a:r>
+                <a14:m>
+                  <m:oMath xmlns:m="http://schemas.openxmlformats.org/officeDocument/2006/math">
+                    <m:sSub>
+                      <m:sSubPr>
+                        <m:ctrlPr>
+                          <a:rPr lang="en-US" b="0" i="1" dirty="0" smtClean="0">
+                            <a:latin typeface="Cambria Math" panose="02040503050406030204" pitchFamily="18" charset="0"/>
+                          </a:rPr>
+                        </m:ctrlPr>
+                      </m:sSubPr>
+                      <m:e>
+                        <m:r>
+                          <a:rPr lang="de-DE" i="1" dirty="0" smtClean="0">
+                            <a:latin typeface="Cambria Math" panose="02040503050406030204" pitchFamily="18" charset="0"/>
+                          </a:rPr>
+                          <m:t>𝑥</m:t>
+                        </m:r>
+                      </m:e>
+                      <m:sub>
+                        <m:r>
+                          <a:rPr lang="de-DE" i="1" dirty="0" smtClean="0">
+                            <a:latin typeface="Cambria Math" panose="02040503050406030204" pitchFamily="18" charset="0"/>
+                          </a:rPr>
+                          <m:t>1</m:t>
+                        </m:r>
+                      </m:sub>
+                    </m:sSub>
+                    <m:r>
+                      <a:rPr lang="en-US" b="0" i="1" dirty="0" smtClean="0">
+                        <a:latin typeface="Cambria Math" panose="02040503050406030204" pitchFamily="18" charset="0"/>
+                      </a:rPr>
+                      <m:t>+</m:t>
+                    </m:r>
+                    <m:sSub>
+                      <m:sSubPr>
+                        <m:ctrlPr>
+                          <a:rPr lang="de-DE" i="1" dirty="0" smtClean="0">
+                            <a:latin typeface="Cambria Math" panose="02040503050406030204" pitchFamily="18" charset="0"/>
+                          </a:rPr>
+                        </m:ctrlPr>
+                      </m:sSubPr>
+                      <m:e>
+                        <m:r>
+                          <a:rPr lang="de-DE" i="1" dirty="0" smtClean="0">
+                            <a:latin typeface="Cambria Math" panose="02040503050406030204" pitchFamily="18" charset="0"/>
+                          </a:rPr>
+                          <m:t>𝑥</m:t>
+                        </m:r>
+                      </m:e>
+                      <m:sub>
+                        <m:r>
+                          <a:rPr lang="de-DE" i="1" dirty="0" smtClean="0">
+                            <a:latin typeface="Cambria Math" panose="02040503050406030204" pitchFamily="18" charset="0"/>
+                          </a:rPr>
+                          <m:t>2</m:t>
+                        </m:r>
+                      </m:sub>
+                    </m:sSub>
+                    <m:r>
+                      <a:rPr lang="de-DE" i="1" dirty="0">
+                        <a:latin typeface="Cambria Math" panose="02040503050406030204" pitchFamily="18" charset="0"/>
+                      </a:rPr>
+                      <m:t>+</m:t>
+                    </m:r>
+                    <m:sSub>
+                      <m:sSubPr>
+                        <m:ctrlPr>
+                          <a:rPr lang="de-DE" i="1" dirty="0" smtClean="0">
+                            <a:latin typeface="Cambria Math" panose="02040503050406030204" pitchFamily="18" charset="0"/>
+                          </a:rPr>
+                        </m:ctrlPr>
+                      </m:sSubPr>
+                      <m:e>
+                        <m:r>
+                          <a:rPr lang="de-DE" i="1" dirty="0" smtClean="0">
+                            <a:latin typeface="Cambria Math" panose="02040503050406030204" pitchFamily="18" charset="0"/>
+                          </a:rPr>
+                          <m:t>𝑥</m:t>
+                        </m:r>
+                      </m:e>
+                      <m:sub>
+                        <m:r>
+                          <a:rPr lang="de-DE" i="1" dirty="0" smtClean="0">
+                            <a:latin typeface="Cambria Math" panose="02040503050406030204" pitchFamily="18" charset="0"/>
+                          </a:rPr>
+                          <m:t>3</m:t>
+                        </m:r>
+                      </m:sub>
+                    </m:sSub>
+                    <m:r>
+                      <a:rPr lang="de-DE" i="1" dirty="0" smtClean="0">
+                        <a:latin typeface="Cambria Math" panose="02040503050406030204" pitchFamily="18" charset="0"/>
+                      </a:rPr>
+                      <m:t> </m:t>
+                    </m:r>
+                    <m:r>
+                      <a:rPr lang="de-DE" i="1" dirty="0">
+                        <a:latin typeface="Cambria Math" panose="02040503050406030204" pitchFamily="18" charset="0"/>
+                      </a:rPr>
+                      <m:t>= </m:t>
+                    </m:r>
+                    <m:r>
+                      <a:rPr lang="de-DE" i="1" dirty="0" smtClean="0">
+                        <a:latin typeface="Cambria Math" panose="02040503050406030204" pitchFamily="18" charset="0"/>
+                      </a:rPr>
+                      <m:t>1</m:t>
+                    </m:r>
+                  </m:oMath>
+                </a14:m>
+                <a:r>
+                  <a:rPr lang="de-DE" i="1" dirty="0"/>
+                  <a:t>) </a:t>
+                </a:r>
+                <a:r>
+                  <a:rPr lang="de-DE" b="1" i="1" dirty="0"/>
+                  <a:t>im Kern </a:t>
+                </a:r>
+                <a:r>
+                  <a:rPr lang="de-DE" i="1" dirty="0"/>
+                  <a:t>an.“</a:t>
+                </a:r>
+                <a:endParaRPr lang="de-DE" i="1" dirty="0"/>
+              </a:p>
+            </p:txBody>
+          </p:sp>
+        </mc:Choice>
+        <mc:Fallback>
+          <p:sp>
+            <p:nvSpPr>
+              <p:cNvPr id="2" name="Inhaltsplatzhalter 1"/>
+              <p:cNvSpPr>
+                <a:spLocks noGrp="1" noRot="1" noChangeAspect="1" noMove="1" noResize="1" noEditPoints="1" noAdjustHandles="1" noChangeArrowheads="1" noChangeShapeType="1" noTextEdit="1"/>
+              </p:cNvSpPr>
+              <p:nvPr>
+                <p:ph idx="1"/>
+              </p:nvPr>
+            </p:nvSpPr>
+            <p:spPr>
+              <a:blipFill>
+                <a:blip r:embed="rId2"/>
+                <a:stretch>
+                  <a:fillRect l="-817" t="-521" r="-594"/>
+                </a:stretch>
+              </a:blipFill>
+            </p:spPr>
+            <p:txBody>
+              <a:bodyPr/>
+              <a:lstStyle/>
+              <a:p>
+                <a:r>
+                  <a:rPr lang="de-DE">
+                    <a:noFill/>
+                  </a:rPr>
+                  <a:t> </a:t>
+                </a:r>
+              </a:p>
+            </p:txBody>
+          </p:sp>
+        </mc:Fallback>
+      </mc:AlternateContent>
+      <p:sp>
+        <p:nvSpPr>
+          <p:cNvPr id="3" name="Titel 2"/>
+          <p:cNvSpPr>
+            <a:spLocks noGrp="1"/>
+          </p:cNvSpPr>
+          <p:nvPr>
+            <p:ph type="title"/>
+          </p:nvPr>
+        </p:nvSpPr>
+        <p:spPr/>
+        <p:txBody>
+          <a:bodyPr/>
+          <a:lstStyle/>
+          <a:p>
+            <a:r>
+              <a:rPr lang="en-US" dirty="0"/>
+              <a:t>Aufgabe 2 c)</a:t>
+            </a:r>
+            <a:endParaRPr lang="de-DE" dirty="0"/>
+          </a:p>
+        </p:txBody>
+      </p:sp>
+      <p:sp>
+        <p:nvSpPr>
+          <p:cNvPr id="4" name="Datumsplatzhalter 3"/>
+          <p:cNvSpPr>
+            <a:spLocks noGrp="1"/>
+          </p:cNvSpPr>
+          <p:nvPr>
+            <p:ph type="dt" sz="half" idx="10"/>
+          </p:nvPr>
+        </p:nvSpPr>
+        <p:spPr/>
+        <p:txBody>
+          <a:bodyPr/>
+          <a:lstStyle/>
+          <a:p>
+            <a:pPr>
+              <a:defRPr/>
+            </a:pPr>
+            <a:fld id="{972A6A5B-77CB-4D42-9DB4-CC6D207310B8}" type="datetime1">
+              <a:rPr lang="de-DE" smtClean="0"/>
+              <a:pPr>
+                <a:defRPr/>
+              </a:pPr>
+              <a:t>08.12.2016</a:t>
+            </a:fld>
+            <a:endParaRPr lang="en-GB" dirty="0"/>
+          </a:p>
+        </p:txBody>
+      </p:sp>
+      <p:sp>
+        <p:nvSpPr>
+          <p:cNvPr id="5" name="Fußzeilenplatzhalter 4"/>
+          <p:cNvSpPr>
+            <a:spLocks noGrp="1"/>
+          </p:cNvSpPr>
+          <p:nvPr>
+            <p:ph type="ftr" sz="quarter" idx="11"/>
+          </p:nvPr>
+        </p:nvSpPr>
+        <p:spPr/>
+        <p:txBody>
+          <a:bodyPr/>
+          <a:lstStyle/>
+          <a:p>
+            <a:pPr>
+              <a:defRPr/>
+            </a:pPr>
+            <a:endParaRPr lang="en-GB" dirty="0"/>
+          </a:p>
+        </p:txBody>
+      </p:sp>
+      <p:sp>
+        <p:nvSpPr>
+          <p:cNvPr id="6" name="Foliennummernplatzhalter 5"/>
+          <p:cNvSpPr>
+            <a:spLocks noGrp="1"/>
+          </p:cNvSpPr>
+          <p:nvPr>
+            <p:ph type="sldNum" sz="quarter" idx="12"/>
+          </p:nvPr>
+        </p:nvSpPr>
+        <p:spPr/>
+        <p:txBody>
+          <a:bodyPr/>
+          <a:lstStyle/>
+          <a:p>
+            <a:pPr>
+              <a:defRPr/>
+            </a:pPr>
+            <a:fld id="{E85D1952-A6FC-4ACE-AEE4-EFAF5C32DAC6}" type="slidenum">
+              <a:rPr lang="en-GB" smtClean="0"/>
+              <a:pPr>
+                <a:defRPr/>
+              </a:pPr>
               <a:t>9</a:t>
             </a:fld>
             <a:endParaRPr lang="en-GB" dirty="0"/>
@@ -16145,7 +14908,7 @@
     </p:spTree>
     <p:extLst>
       <p:ext uri="{BB962C8B-B14F-4D97-AF65-F5344CB8AC3E}">
-        <p14:creationId xmlns:p14="http://schemas.microsoft.com/office/powerpoint/2010/main" val="3690374284"/>
+        <p14:creationId xmlns:p14="http://schemas.microsoft.com/office/powerpoint/2010/main" val="3019987875"/>
       </p:ext>
     </p:extLst>
   </p:cSld>
